--- a/products/find-va-forms-redesign/contact-center/FindVAFormsSearch-ProductGuide.pptx
+++ b/products/find-va-forms-redesign/contact-center/FindVAFormsSearch-ProductGuide.pptx
@@ -5,7 +5,7 @@
     <p:sldMasterId id="2147483648" r:id="rId1"/>
   </p:sldMasterIdLst>
   <p:notesMasterIdLst>
-    <p:notesMasterId r:id="rId19"/>
+    <p:notesMasterId r:id="rId20"/>
   </p:notesMasterIdLst>
   <p:sldIdLst>
     <p:sldId id="256" r:id="rId2"/>
@@ -15,16 +15,17 @@
     <p:sldId id="260" r:id="rId6"/>
     <p:sldId id="263" r:id="rId7"/>
     <p:sldId id="271" r:id="rId8"/>
-    <p:sldId id="261" r:id="rId9"/>
-    <p:sldId id="262" r:id="rId10"/>
-    <p:sldId id="270" r:id="rId11"/>
-    <p:sldId id="264" r:id="rId12"/>
-    <p:sldId id="265" r:id="rId13"/>
-    <p:sldId id="266" r:id="rId14"/>
-    <p:sldId id="267" r:id="rId15"/>
-    <p:sldId id="272" r:id="rId16"/>
-    <p:sldId id="268" r:id="rId17"/>
-    <p:sldId id="269" r:id="rId18"/>
+    <p:sldId id="273" r:id="rId9"/>
+    <p:sldId id="261" r:id="rId10"/>
+    <p:sldId id="262" r:id="rId11"/>
+    <p:sldId id="270" r:id="rId12"/>
+    <p:sldId id="264" r:id="rId13"/>
+    <p:sldId id="265" r:id="rId14"/>
+    <p:sldId id="266" r:id="rId15"/>
+    <p:sldId id="267" r:id="rId16"/>
+    <p:sldId id="272" r:id="rId17"/>
+    <p:sldId id="268" r:id="rId18"/>
+    <p:sldId id="269" r:id="rId19"/>
   </p:sldIdLst>
   <p:sldSz cx="12192000" cy="6858000"/>
   <p:notesSz cx="12192000" cy="6858000"/>
@@ -157,6 +158,614 @@
 </p:cmAuthorLst>
 </file>
 
+<file path=ppt/revisionInfo.xml><?xml version="1.0" encoding="utf-8"?>
+<p1510:revInfo xmlns:a="http://schemas.openxmlformats.org/drawingml/2006/main" xmlns:r="http://schemas.openxmlformats.org/officeDocument/2006/relationships" xmlns:p1510="http://schemas.microsoft.com/office/powerpoint/2015/10/main">
+  <p1510:revLst>
+    <p1510:client id="{66D2C8EC-293E-4F04-AE6A-CDD078B1D21E}" v="15" dt="2021-01-04T20:00:43.140"/>
+  </p1510:revLst>
+</p1510:revInfo>
+</file>
+
+<file path=ppt/changesInfos/changesInfo1.xml><?xml version="1.0" encoding="utf-8"?>
+<pc:chgInfo xmlns:a="http://schemas.openxmlformats.org/drawingml/2006/main" xmlns:r="http://schemas.openxmlformats.org/officeDocument/2006/relationships" xmlns:ac="http://schemas.microsoft.com/office/drawing/2013/main/command" xmlns:pc="http://schemas.microsoft.com/office/powerpoint/2013/main/command">
+  <pc:docChgLst>
+    <pc:chgData name="Marci McGuire" userId="da076b16-69e6-40ca-b632-a9ea416c9c12" providerId="ADAL" clId="{66D2C8EC-293E-4F04-AE6A-CDD078B1D21E}"/>
+    <pc:docChg chg="undo custSel addSld modSld sldOrd">
+      <pc:chgData name="Marci McGuire" userId="da076b16-69e6-40ca-b632-a9ea416c9c12" providerId="ADAL" clId="{66D2C8EC-293E-4F04-AE6A-CDD078B1D21E}" dt="2021-01-04T20:00:43.140" v="276"/>
+      <pc:docMkLst>
+        <pc:docMk/>
+      </pc:docMkLst>
+      <pc:sldChg chg="addSp delSp modSp mod">
+        <pc:chgData name="Marci McGuire" userId="da076b16-69e6-40ca-b632-a9ea416c9c12" providerId="ADAL" clId="{66D2C8EC-293E-4F04-AE6A-CDD078B1D21E}" dt="2021-01-04T17:41:59.149" v="36" actId="14100"/>
+        <pc:sldMkLst>
+          <pc:docMk/>
+          <pc:sldMk cId="0" sldId="259"/>
+        </pc:sldMkLst>
+        <pc:spChg chg="del">
+          <ac:chgData name="Marci McGuire" userId="da076b16-69e6-40ca-b632-a9ea416c9c12" providerId="ADAL" clId="{66D2C8EC-293E-4F04-AE6A-CDD078B1D21E}" dt="2021-01-04T17:38:40.990" v="0" actId="478"/>
+          <ac:spMkLst>
+            <pc:docMk/>
+            <pc:sldMk cId="0" sldId="259"/>
+            <ac:spMk id="3" creationId="{00000000-0000-0000-0000-000000000000}"/>
+          </ac:spMkLst>
+        </pc:spChg>
+        <pc:spChg chg="mod">
+          <ac:chgData name="Marci McGuire" userId="da076b16-69e6-40ca-b632-a9ea416c9c12" providerId="ADAL" clId="{66D2C8EC-293E-4F04-AE6A-CDD078B1D21E}" dt="2021-01-04T17:41:38.713" v="34" actId="14100"/>
+          <ac:spMkLst>
+            <pc:docMk/>
+            <pc:sldMk cId="0" sldId="259"/>
+            <ac:spMk id="4" creationId="{00000000-0000-0000-0000-000000000000}"/>
+          </ac:spMkLst>
+        </pc:spChg>
+        <pc:spChg chg="mod">
+          <ac:chgData name="Marci McGuire" userId="da076b16-69e6-40ca-b632-a9ea416c9c12" providerId="ADAL" clId="{66D2C8EC-293E-4F04-AE6A-CDD078B1D21E}" dt="2021-01-04T17:41:04.914" v="25" actId="14100"/>
+          <ac:spMkLst>
+            <pc:docMk/>
+            <pc:sldMk cId="0" sldId="259"/>
+            <ac:spMk id="5" creationId="{00000000-0000-0000-0000-000000000000}"/>
+          </ac:spMkLst>
+        </pc:spChg>
+        <pc:spChg chg="mod">
+          <ac:chgData name="Marci McGuire" userId="da076b16-69e6-40ca-b632-a9ea416c9c12" providerId="ADAL" clId="{66D2C8EC-293E-4F04-AE6A-CDD078B1D21E}" dt="2021-01-04T17:41:59.149" v="36" actId="14100"/>
+          <ac:spMkLst>
+            <pc:docMk/>
+            <pc:sldMk cId="0" sldId="259"/>
+            <ac:spMk id="6" creationId="{00000000-0000-0000-0000-000000000000}"/>
+          </ac:spMkLst>
+        </pc:spChg>
+        <pc:spChg chg="mod">
+          <ac:chgData name="Marci McGuire" userId="da076b16-69e6-40ca-b632-a9ea416c9c12" providerId="ADAL" clId="{66D2C8EC-293E-4F04-AE6A-CDD078B1D21E}" dt="2021-01-04T17:41:30.363" v="32" actId="1076"/>
+          <ac:spMkLst>
+            <pc:docMk/>
+            <pc:sldMk cId="0" sldId="259"/>
+            <ac:spMk id="7" creationId="{00000000-0000-0000-0000-000000000000}"/>
+          </ac:spMkLst>
+        </pc:spChg>
+        <pc:picChg chg="add mod ord">
+          <ac:chgData name="Marci McGuire" userId="da076b16-69e6-40ca-b632-a9ea416c9c12" providerId="ADAL" clId="{66D2C8EC-293E-4F04-AE6A-CDD078B1D21E}" dt="2021-01-04T17:41:26.066" v="31" actId="14100"/>
+          <ac:picMkLst>
+            <pc:docMk/>
+            <pc:sldMk cId="0" sldId="259"/>
+            <ac:picMk id="9" creationId="{153CDD1C-010F-4AC3-82D1-D80220B20047}"/>
+          </ac:picMkLst>
+        </pc:picChg>
+      </pc:sldChg>
+      <pc:sldChg chg="addSp delSp modSp mod">
+        <pc:chgData name="Marci McGuire" userId="da076b16-69e6-40ca-b632-a9ea416c9c12" providerId="ADAL" clId="{66D2C8EC-293E-4F04-AE6A-CDD078B1D21E}" dt="2021-01-04T20:00:05.044" v="274" actId="1037"/>
+        <pc:sldMkLst>
+          <pc:docMk/>
+          <pc:sldMk cId="0" sldId="261"/>
+        </pc:sldMkLst>
+        <pc:spChg chg="mod">
+          <ac:chgData name="Marci McGuire" userId="da076b16-69e6-40ca-b632-a9ea416c9c12" providerId="ADAL" clId="{66D2C8EC-293E-4F04-AE6A-CDD078B1D21E}" dt="2021-01-04T19:29:35.508" v="47" actId="1037"/>
+          <ac:spMkLst>
+            <pc:docMk/>
+            <pc:sldMk cId="0" sldId="261"/>
+            <ac:spMk id="13" creationId="{713744EE-E60B-4F8A-811F-A048A3245CFA}"/>
+          </ac:spMkLst>
+        </pc:spChg>
+        <pc:spChg chg="mod">
+          <ac:chgData name="Marci McGuire" userId="da076b16-69e6-40ca-b632-a9ea416c9c12" providerId="ADAL" clId="{66D2C8EC-293E-4F04-AE6A-CDD078B1D21E}" dt="2021-01-04T19:59:41.133" v="235"/>
+          <ac:spMkLst>
+            <pc:docMk/>
+            <pc:sldMk cId="0" sldId="261"/>
+            <ac:spMk id="19" creationId="{547214D5-71E7-43CB-819E-8671A2FC4FB4}"/>
+          </ac:spMkLst>
+        </pc:spChg>
+        <pc:spChg chg="mod">
+          <ac:chgData name="Marci McGuire" userId="da076b16-69e6-40ca-b632-a9ea416c9c12" providerId="ADAL" clId="{66D2C8EC-293E-4F04-AE6A-CDD078B1D21E}" dt="2021-01-04T20:00:05.044" v="274" actId="1037"/>
+          <ac:spMkLst>
+            <pc:docMk/>
+            <pc:sldMk cId="0" sldId="261"/>
+            <ac:spMk id="20" creationId="{0F64ADFC-E0E4-48D3-8283-2C94471C12B9}"/>
+          </ac:spMkLst>
+        </pc:spChg>
+        <pc:grpChg chg="del">
+          <ac:chgData name="Marci McGuire" userId="da076b16-69e6-40ca-b632-a9ea416c9c12" providerId="ADAL" clId="{66D2C8EC-293E-4F04-AE6A-CDD078B1D21E}" dt="2021-01-04T19:59:39.705" v="234" actId="478"/>
+          <ac:grpSpMkLst>
+            <pc:docMk/>
+            <pc:sldMk cId="0" sldId="261"/>
+            <ac:grpSpMk id="10" creationId="{4EAE8BFE-11F4-4E8C-BA7B-F8B228EC72EF}"/>
+          </ac:grpSpMkLst>
+        </pc:grpChg>
+        <pc:grpChg chg="add mod">
+          <ac:chgData name="Marci McGuire" userId="da076b16-69e6-40ca-b632-a9ea416c9c12" providerId="ADAL" clId="{66D2C8EC-293E-4F04-AE6A-CDD078B1D21E}" dt="2021-01-04T19:59:41.133" v="235"/>
+          <ac:grpSpMkLst>
+            <pc:docMk/>
+            <pc:sldMk cId="0" sldId="261"/>
+            <ac:grpSpMk id="15" creationId="{3737CA4E-55E3-43CE-B33C-4B9454431C99}"/>
+          </ac:grpSpMkLst>
+        </pc:grpChg>
+        <pc:picChg chg="add del mod ord modCrop">
+          <ac:chgData name="Marci McGuire" userId="da076b16-69e6-40ca-b632-a9ea416c9c12" providerId="ADAL" clId="{66D2C8EC-293E-4F04-AE6A-CDD078B1D21E}" dt="2021-01-04T19:38:43.387" v="149" actId="478"/>
+          <ac:picMkLst>
+            <pc:docMk/>
+            <pc:sldMk cId="0" sldId="261"/>
+            <ac:picMk id="5" creationId="{E72C8347-D99C-49C5-952A-DCE081998EB5}"/>
+          </ac:picMkLst>
+        </pc:picChg>
+        <pc:picChg chg="del">
+          <ac:chgData name="Marci McGuire" userId="da076b16-69e6-40ca-b632-a9ea416c9c12" providerId="ADAL" clId="{66D2C8EC-293E-4F04-AE6A-CDD078B1D21E}" dt="2021-01-04T19:28:34.869" v="37" actId="478"/>
+          <ac:picMkLst>
+            <pc:docMk/>
+            <pc:sldMk cId="0" sldId="261"/>
+            <ac:picMk id="12" creationId="{09116069-4010-4698-8A51-94315141CE5E}"/>
+          </ac:picMkLst>
+        </pc:picChg>
+        <pc:picChg chg="mod">
+          <ac:chgData name="Marci McGuire" userId="da076b16-69e6-40ca-b632-a9ea416c9c12" providerId="ADAL" clId="{66D2C8EC-293E-4F04-AE6A-CDD078B1D21E}" dt="2021-01-04T19:59:41.133" v="235"/>
+          <ac:picMkLst>
+            <pc:docMk/>
+            <pc:sldMk cId="0" sldId="261"/>
+            <ac:picMk id="16" creationId="{78300B7D-E4D0-4A3E-A9D8-E8934EE1E555}"/>
+          </ac:picMkLst>
+        </pc:picChg>
+        <pc:picChg chg="mod">
+          <ac:chgData name="Marci McGuire" userId="da076b16-69e6-40ca-b632-a9ea416c9c12" providerId="ADAL" clId="{66D2C8EC-293E-4F04-AE6A-CDD078B1D21E}" dt="2021-01-04T19:59:41.133" v="235"/>
+          <ac:picMkLst>
+            <pc:docMk/>
+            <pc:sldMk cId="0" sldId="261"/>
+            <ac:picMk id="17" creationId="{1043781F-9DF6-43DA-A08B-60A8C311AE9E}"/>
+          </ac:picMkLst>
+        </pc:picChg>
+        <pc:picChg chg="mod">
+          <ac:chgData name="Marci McGuire" userId="da076b16-69e6-40ca-b632-a9ea416c9c12" providerId="ADAL" clId="{66D2C8EC-293E-4F04-AE6A-CDD078B1D21E}" dt="2021-01-04T19:59:41.133" v="235"/>
+          <ac:picMkLst>
+            <pc:docMk/>
+            <pc:sldMk cId="0" sldId="261"/>
+            <ac:picMk id="18" creationId="{65074838-9E14-4E0F-83E2-F263BA1F09B9}"/>
+          </ac:picMkLst>
+        </pc:picChg>
+      </pc:sldChg>
+      <pc:sldChg chg="addSp delSp modSp mod">
+        <pc:chgData name="Marci McGuire" userId="da076b16-69e6-40ca-b632-a9ea416c9c12" providerId="ADAL" clId="{66D2C8EC-293E-4F04-AE6A-CDD078B1D21E}" dt="2021-01-04T19:58:32.888" v="217" actId="164"/>
+        <pc:sldMkLst>
+          <pc:docMk/>
+          <pc:sldMk cId="0" sldId="263"/>
+        </pc:sldMkLst>
+        <pc:spChg chg="mod ord topLvl">
+          <ac:chgData name="Marci McGuire" userId="da076b16-69e6-40ca-b632-a9ea416c9c12" providerId="ADAL" clId="{66D2C8EC-293E-4F04-AE6A-CDD078B1D21E}" dt="2021-01-04T19:58:32.888" v="217" actId="164"/>
+          <ac:spMkLst>
+            <pc:docMk/>
+            <pc:sldMk cId="0" sldId="263"/>
+            <ac:spMk id="9" creationId="{C86CC380-6F65-473C-8527-238DD8B8DDFE}"/>
+          </ac:spMkLst>
+        </pc:spChg>
+        <pc:spChg chg="mod topLvl">
+          <ac:chgData name="Marci McGuire" userId="da076b16-69e6-40ca-b632-a9ea416c9c12" providerId="ADAL" clId="{66D2C8EC-293E-4F04-AE6A-CDD078B1D21E}" dt="2021-01-04T19:58:32.888" v="217" actId="164"/>
+          <ac:spMkLst>
+            <pc:docMk/>
+            <pc:sldMk cId="0" sldId="263"/>
+            <ac:spMk id="11" creationId="{9C88CA92-49F5-48C0-8560-642ABEFF41A8}"/>
+          </ac:spMkLst>
+        </pc:spChg>
+        <pc:grpChg chg="add del">
+          <ac:chgData name="Marci McGuire" userId="da076b16-69e6-40ca-b632-a9ea416c9c12" providerId="ADAL" clId="{66D2C8EC-293E-4F04-AE6A-CDD078B1D21E}" dt="2021-01-04T19:53:05.948" v="166" actId="165"/>
+          <ac:grpSpMkLst>
+            <pc:docMk/>
+            <pc:sldMk cId="0" sldId="263"/>
+            <ac:grpSpMk id="13" creationId="{EF8D960C-0BEB-4294-9391-86A87F994331}"/>
+          </ac:grpSpMkLst>
+        </pc:grpChg>
+        <pc:grpChg chg="add del mod topLvl">
+          <ac:chgData name="Marci McGuire" userId="da076b16-69e6-40ca-b632-a9ea416c9c12" providerId="ADAL" clId="{66D2C8EC-293E-4F04-AE6A-CDD078B1D21E}" dt="2021-01-04T19:56:57.449" v="198" actId="165"/>
+          <ac:grpSpMkLst>
+            <pc:docMk/>
+            <pc:sldMk cId="0" sldId="263"/>
+            <ac:grpSpMk id="15" creationId="{6DE6D156-11BB-498F-9581-D2B31C7A33F2}"/>
+          </ac:grpSpMkLst>
+        </pc:grpChg>
+        <pc:grpChg chg="add del mod">
+          <ac:chgData name="Marci McGuire" userId="da076b16-69e6-40ca-b632-a9ea416c9c12" providerId="ADAL" clId="{66D2C8EC-293E-4F04-AE6A-CDD078B1D21E}" dt="2021-01-04T19:56:14.862" v="194" actId="165"/>
+          <ac:grpSpMkLst>
+            <pc:docMk/>
+            <pc:sldMk cId="0" sldId="263"/>
+            <ac:grpSpMk id="16" creationId="{5A6F0FA3-A1E3-4718-9E8F-A2EC4A0CBB8D}"/>
+          </ac:grpSpMkLst>
+        </pc:grpChg>
+        <pc:grpChg chg="add mod">
+          <ac:chgData name="Marci McGuire" userId="da076b16-69e6-40ca-b632-a9ea416c9c12" providerId="ADAL" clId="{66D2C8EC-293E-4F04-AE6A-CDD078B1D21E}" dt="2021-01-04T19:58:32.888" v="217" actId="164"/>
+          <ac:grpSpMkLst>
+            <pc:docMk/>
+            <pc:sldMk cId="0" sldId="263"/>
+            <ac:grpSpMk id="17" creationId="{79CD11F0-125A-4832-B48C-87FE3C4E1AB6}"/>
+          </ac:grpSpMkLst>
+        </pc:grpChg>
+        <pc:picChg chg="add del mod">
+          <ac:chgData name="Marci McGuire" userId="da076b16-69e6-40ca-b632-a9ea416c9c12" providerId="ADAL" clId="{66D2C8EC-293E-4F04-AE6A-CDD078B1D21E}" dt="2021-01-04T19:38:18.641" v="145" actId="478"/>
+          <ac:picMkLst>
+            <pc:docMk/>
+            <pc:sldMk cId="0" sldId="263"/>
+            <ac:picMk id="3" creationId="{E6CA21EC-31D1-4140-BE0D-992BCED0C9E2}"/>
+          </ac:picMkLst>
+        </pc:picChg>
+        <pc:picChg chg="add mod ord topLvl modCrop">
+          <ac:chgData name="Marci McGuire" userId="da076b16-69e6-40ca-b632-a9ea416c9c12" providerId="ADAL" clId="{66D2C8EC-293E-4F04-AE6A-CDD078B1D21E}" dt="2021-01-04T19:58:32.888" v="217" actId="164"/>
+          <ac:picMkLst>
+            <pc:docMk/>
+            <pc:sldMk cId="0" sldId="263"/>
+            <ac:picMk id="7" creationId="{FF903935-8A6F-454D-8417-506684019B48}"/>
+          </ac:picMkLst>
+        </pc:picChg>
+        <pc:picChg chg="del">
+          <ac:chgData name="Marci McGuire" userId="da076b16-69e6-40ca-b632-a9ea416c9c12" providerId="ADAL" clId="{66D2C8EC-293E-4F04-AE6A-CDD078B1D21E}" dt="2021-01-04T19:38:35.906" v="146" actId="478"/>
+          <ac:picMkLst>
+            <pc:docMk/>
+            <pc:sldMk cId="0" sldId="263"/>
+            <ac:picMk id="10" creationId="{C8DFB802-C3D1-4B16-A21F-A16F96860ADC}"/>
+          </ac:picMkLst>
+        </pc:picChg>
+        <pc:picChg chg="mod topLvl">
+          <ac:chgData name="Marci McGuire" userId="da076b16-69e6-40ca-b632-a9ea416c9c12" providerId="ADAL" clId="{66D2C8EC-293E-4F04-AE6A-CDD078B1D21E}" dt="2021-01-04T19:58:32.888" v="217" actId="164"/>
+          <ac:picMkLst>
+            <pc:docMk/>
+            <pc:sldMk cId="0" sldId="263"/>
+            <ac:picMk id="12" creationId="{19F40322-A214-45A6-ABAA-F6562DA06950}"/>
+          </ac:picMkLst>
+        </pc:picChg>
+        <pc:picChg chg="add mod ord topLvl">
+          <ac:chgData name="Marci McGuire" userId="da076b16-69e6-40ca-b632-a9ea416c9c12" providerId="ADAL" clId="{66D2C8EC-293E-4F04-AE6A-CDD078B1D21E}" dt="2021-01-04T19:58:32.888" v="217" actId="164"/>
+          <ac:picMkLst>
+            <pc:docMk/>
+            <pc:sldMk cId="0" sldId="263"/>
+            <ac:picMk id="14" creationId="{91DC6235-F06F-4617-BAFA-4D62D940404D}"/>
+          </ac:picMkLst>
+        </pc:picChg>
+      </pc:sldChg>
+      <pc:sldChg chg="addSp delSp modSp mod">
+        <pc:chgData name="Marci McGuire" userId="da076b16-69e6-40ca-b632-a9ea416c9c12" providerId="ADAL" clId="{66D2C8EC-293E-4F04-AE6A-CDD078B1D21E}" dt="2021-01-04T19:58:57.054" v="222" actId="14100"/>
+        <pc:sldMkLst>
+          <pc:docMk/>
+          <pc:sldMk cId="2977339038" sldId="271"/>
+        </pc:sldMkLst>
+        <pc:spChg chg="mod">
+          <ac:chgData name="Marci McGuire" userId="da076b16-69e6-40ca-b632-a9ea416c9c12" providerId="ADAL" clId="{66D2C8EC-293E-4F04-AE6A-CDD078B1D21E}" dt="2021-01-04T19:55:06.713" v="188"/>
+          <ac:spMkLst>
+            <pc:docMk/>
+            <pc:sldMk cId="2977339038" sldId="271"/>
+            <ac:spMk id="16" creationId="{277E13AE-A8E0-4741-B02C-8D20835632A5}"/>
+          </ac:spMkLst>
+        </pc:spChg>
+        <pc:spChg chg="mod">
+          <ac:chgData name="Marci McGuire" userId="da076b16-69e6-40ca-b632-a9ea416c9c12" providerId="ADAL" clId="{66D2C8EC-293E-4F04-AE6A-CDD078B1D21E}" dt="2021-01-04T19:55:06.713" v="188"/>
+          <ac:spMkLst>
+            <pc:docMk/>
+            <pc:sldMk cId="2977339038" sldId="271"/>
+            <ac:spMk id="17" creationId="{B01D8327-E93E-450B-8A2A-BCA18A4BA2F1}"/>
+          </ac:spMkLst>
+        </pc:spChg>
+        <pc:spChg chg="mod">
+          <ac:chgData name="Marci McGuire" userId="da076b16-69e6-40ca-b632-a9ea416c9c12" providerId="ADAL" clId="{66D2C8EC-293E-4F04-AE6A-CDD078B1D21E}" dt="2021-01-04T19:55:29.993" v="191"/>
+          <ac:spMkLst>
+            <pc:docMk/>
+            <pc:sldMk cId="2977339038" sldId="271"/>
+            <ac:spMk id="23" creationId="{C2062A6C-4051-42F8-85E7-7F12FB006C6B}"/>
+          </ac:spMkLst>
+        </pc:spChg>
+        <pc:spChg chg="mod">
+          <ac:chgData name="Marci McGuire" userId="da076b16-69e6-40ca-b632-a9ea416c9c12" providerId="ADAL" clId="{66D2C8EC-293E-4F04-AE6A-CDD078B1D21E}" dt="2021-01-04T19:55:38.182" v="192" actId="1076"/>
+          <ac:spMkLst>
+            <pc:docMk/>
+            <pc:sldMk cId="2977339038" sldId="271"/>
+            <ac:spMk id="24" creationId="{B3ECD95F-F3B8-4312-A0DD-9E5166DD59DF}"/>
+          </ac:spMkLst>
+        </pc:spChg>
+        <pc:spChg chg="mod ord">
+          <ac:chgData name="Marci McGuire" userId="da076b16-69e6-40ca-b632-a9ea416c9c12" providerId="ADAL" clId="{66D2C8EC-293E-4F04-AE6A-CDD078B1D21E}" dt="2021-01-04T19:58:57.054" v="222" actId="14100"/>
+          <ac:spMkLst>
+            <pc:docMk/>
+            <pc:sldMk cId="2977339038" sldId="271"/>
+            <ac:spMk id="28" creationId="{AD3B1B4F-DFF9-48D5-A407-13051FE3DDD0}"/>
+          </ac:spMkLst>
+        </pc:spChg>
+        <pc:spChg chg="mod">
+          <ac:chgData name="Marci McGuire" userId="da076b16-69e6-40ca-b632-a9ea416c9c12" providerId="ADAL" clId="{66D2C8EC-293E-4F04-AE6A-CDD078B1D21E}" dt="2021-01-04T19:58:40.654" v="218"/>
+          <ac:spMkLst>
+            <pc:docMk/>
+            <pc:sldMk cId="2977339038" sldId="271"/>
+            <ac:spMk id="31" creationId="{5A809FDD-2BAC-4A66-AB77-850CE5F63B42}"/>
+          </ac:spMkLst>
+        </pc:spChg>
+        <pc:grpChg chg="del">
+          <ac:chgData name="Marci McGuire" userId="da076b16-69e6-40ca-b632-a9ea416c9c12" providerId="ADAL" clId="{66D2C8EC-293E-4F04-AE6A-CDD078B1D21E}" dt="2021-01-04T19:38:39.712" v="147" actId="478"/>
+          <ac:grpSpMkLst>
+            <pc:docMk/>
+            <pc:sldMk cId="2977339038" sldId="271"/>
+            <ac:grpSpMk id="13" creationId="{EF8D960C-0BEB-4294-9391-86A87F994331}"/>
+          </ac:grpSpMkLst>
+        </pc:grpChg>
+        <pc:grpChg chg="add del mod">
+          <ac:chgData name="Marci McGuire" userId="da076b16-69e6-40ca-b632-a9ea416c9c12" providerId="ADAL" clId="{66D2C8EC-293E-4F04-AE6A-CDD078B1D21E}" dt="2021-01-04T19:55:12.877" v="189"/>
+          <ac:grpSpMkLst>
+            <pc:docMk/>
+            <pc:sldMk cId="2977339038" sldId="271"/>
+            <ac:grpSpMk id="14" creationId="{60AC0A6F-FA24-45F3-BF06-F0594105615D}"/>
+          </ac:grpSpMkLst>
+        </pc:grpChg>
+        <pc:grpChg chg="add del mod">
+          <ac:chgData name="Marci McGuire" userId="da076b16-69e6-40ca-b632-a9ea416c9c12" providerId="ADAL" clId="{66D2C8EC-293E-4F04-AE6A-CDD078B1D21E}" dt="2021-01-04T19:55:54.995" v="193" actId="478"/>
+          <ac:grpSpMkLst>
+            <pc:docMk/>
+            <pc:sldMk cId="2977339038" sldId="271"/>
+            <ac:grpSpMk id="19" creationId="{CDF34912-4459-4696-A645-8DC13810C576}"/>
+          </ac:grpSpMkLst>
+        </pc:grpChg>
+        <pc:grpChg chg="mod">
+          <ac:chgData name="Marci McGuire" userId="da076b16-69e6-40ca-b632-a9ea416c9c12" providerId="ADAL" clId="{66D2C8EC-293E-4F04-AE6A-CDD078B1D21E}" dt="2021-01-04T19:55:29.993" v="191"/>
+          <ac:grpSpMkLst>
+            <pc:docMk/>
+            <pc:sldMk cId="2977339038" sldId="271"/>
+            <ac:grpSpMk id="21" creationId="{129E6B31-555B-4282-A649-713084617905}"/>
+          </ac:grpSpMkLst>
+        </pc:grpChg>
+        <pc:grpChg chg="add mod">
+          <ac:chgData name="Marci McGuire" userId="da076b16-69e6-40ca-b632-a9ea416c9c12" providerId="ADAL" clId="{66D2C8EC-293E-4F04-AE6A-CDD078B1D21E}" dt="2021-01-04T19:58:40.654" v="218"/>
+          <ac:grpSpMkLst>
+            <pc:docMk/>
+            <pc:sldMk cId="2977339038" sldId="271"/>
+            <ac:grpSpMk id="26" creationId="{602F09AB-406D-42FB-96B4-BEBEFA282936}"/>
+          </ac:grpSpMkLst>
+        </pc:grpChg>
+        <pc:picChg chg="mod">
+          <ac:chgData name="Marci McGuire" userId="da076b16-69e6-40ca-b632-a9ea416c9c12" providerId="ADAL" clId="{66D2C8EC-293E-4F04-AE6A-CDD078B1D21E}" dt="2021-01-04T19:55:06.713" v="188"/>
+          <ac:picMkLst>
+            <pc:docMk/>
+            <pc:sldMk cId="2977339038" sldId="271"/>
+            <ac:picMk id="15" creationId="{4EE7FE29-0424-48B1-A997-1CA2340570A6}"/>
+          </ac:picMkLst>
+        </pc:picChg>
+        <pc:picChg chg="mod">
+          <ac:chgData name="Marci McGuire" userId="da076b16-69e6-40ca-b632-a9ea416c9c12" providerId="ADAL" clId="{66D2C8EC-293E-4F04-AE6A-CDD078B1D21E}" dt="2021-01-04T19:55:06.713" v="188"/>
+          <ac:picMkLst>
+            <pc:docMk/>
+            <pc:sldMk cId="2977339038" sldId="271"/>
+            <ac:picMk id="18" creationId="{E138925C-E569-4F5D-843B-42275431449C}"/>
+          </ac:picMkLst>
+        </pc:picChg>
+        <pc:picChg chg="mod">
+          <ac:chgData name="Marci McGuire" userId="da076b16-69e6-40ca-b632-a9ea416c9c12" providerId="ADAL" clId="{66D2C8EC-293E-4F04-AE6A-CDD078B1D21E}" dt="2021-01-04T19:55:29.993" v="191"/>
+          <ac:picMkLst>
+            <pc:docMk/>
+            <pc:sldMk cId="2977339038" sldId="271"/>
+            <ac:picMk id="20" creationId="{148BC287-63E7-4454-910A-6E9F8DF18E70}"/>
+          </ac:picMkLst>
+        </pc:picChg>
+        <pc:picChg chg="mod">
+          <ac:chgData name="Marci McGuire" userId="da076b16-69e6-40ca-b632-a9ea416c9c12" providerId="ADAL" clId="{66D2C8EC-293E-4F04-AE6A-CDD078B1D21E}" dt="2021-01-04T19:55:29.993" v="191"/>
+          <ac:picMkLst>
+            <pc:docMk/>
+            <pc:sldMk cId="2977339038" sldId="271"/>
+            <ac:picMk id="22" creationId="{AD2420DC-C6B7-4E48-ACD5-30D5F6B7E7FE}"/>
+          </ac:picMkLst>
+        </pc:picChg>
+        <pc:picChg chg="mod">
+          <ac:chgData name="Marci McGuire" userId="da076b16-69e6-40ca-b632-a9ea416c9c12" providerId="ADAL" clId="{66D2C8EC-293E-4F04-AE6A-CDD078B1D21E}" dt="2021-01-04T19:55:29.993" v="191"/>
+          <ac:picMkLst>
+            <pc:docMk/>
+            <pc:sldMk cId="2977339038" sldId="271"/>
+            <ac:picMk id="25" creationId="{9D582E14-3155-4867-A8F0-C46442DD8535}"/>
+          </ac:picMkLst>
+        </pc:picChg>
+        <pc:picChg chg="mod">
+          <ac:chgData name="Marci McGuire" userId="da076b16-69e6-40ca-b632-a9ea416c9c12" providerId="ADAL" clId="{66D2C8EC-293E-4F04-AE6A-CDD078B1D21E}" dt="2021-01-04T19:58:40.654" v="218"/>
+          <ac:picMkLst>
+            <pc:docMk/>
+            <pc:sldMk cId="2977339038" sldId="271"/>
+            <ac:picMk id="27" creationId="{B6C87C85-039F-49A1-9620-219F807C05EC}"/>
+          </ac:picMkLst>
+        </pc:picChg>
+        <pc:picChg chg="mod">
+          <ac:chgData name="Marci McGuire" userId="da076b16-69e6-40ca-b632-a9ea416c9c12" providerId="ADAL" clId="{66D2C8EC-293E-4F04-AE6A-CDD078B1D21E}" dt="2021-01-04T19:58:40.654" v="218"/>
+          <ac:picMkLst>
+            <pc:docMk/>
+            <pc:sldMk cId="2977339038" sldId="271"/>
+            <ac:picMk id="29" creationId="{7364E152-8BBB-4D9E-96C4-876253DDB29C}"/>
+          </ac:picMkLst>
+        </pc:picChg>
+        <pc:picChg chg="mod">
+          <ac:chgData name="Marci McGuire" userId="da076b16-69e6-40ca-b632-a9ea416c9c12" providerId="ADAL" clId="{66D2C8EC-293E-4F04-AE6A-CDD078B1D21E}" dt="2021-01-04T19:58:40.654" v="218"/>
+          <ac:picMkLst>
+            <pc:docMk/>
+            <pc:sldMk cId="2977339038" sldId="271"/>
+            <ac:picMk id="30" creationId="{7D1DBB84-BFAA-4EEB-A650-3909434EEC20}"/>
+          </ac:picMkLst>
+        </pc:picChg>
+      </pc:sldChg>
+      <pc:sldChg chg="addSp delSp modSp mod">
+        <pc:chgData name="Marci McGuire" userId="da076b16-69e6-40ca-b632-a9ea416c9c12" providerId="ADAL" clId="{66D2C8EC-293E-4F04-AE6A-CDD078B1D21E}" dt="2021-01-04T20:00:43.140" v="276"/>
+        <pc:sldMkLst>
+          <pc:docMk/>
+          <pc:sldMk cId="591514045" sldId="272"/>
+        </pc:sldMkLst>
+        <pc:spChg chg="add del mod">
+          <ac:chgData name="Marci McGuire" userId="da076b16-69e6-40ca-b632-a9ea416c9c12" providerId="ADAL" clId="{66D2C8EC-293E-4F04-AE6A-CDD078B1D21E}" dt="2021-01-04T20:00:41.730" v="275" actId="478"/>
+          <ac:spMkLst>
+            <pc:docMk/>
+            <pc:sldMk cId="591514045" sldId="272"/>
+            <ac:spMk id="15" creationId="{749F03F7-75C1-412D-B56D-727B82F65830}"/>
+          </ac:spMkLst>
+        </pc:spChg>
+        <pc:spChg chg="mod">
+          <ac:chgData name="Marci McGuire" userId="da076b16-69e6-40ca-b632-a9ea416c9c12" providerId="ADAL" clId="{66D2C8EC-293E-4F04-AE6A-CDD078B1D21E}" dt="2021-01-04T20:00:43.140" v="276"/>
+          <ac:spMkLst>
+            <pc:docMk/>
+            <pc:sldMk cId="591514045" sldId="272"/>
+            <ac:spMk id="20" creationId="{BD949CD2-C1C7-41C0-82D6-E6DA30603BCE}"/>
+          </ac:spMkLst>
+        </pc:spChg>
+        <pc:spChg chg="mod">
+          <ac:chgData name="Marci McGuire" userId="da076b16-69e6-40ca-b632-a9ea416c9c12" providerId="ADAL" clId="{66D2C8EC-293E-4F04-AE6A-CDD078B1D21E}" dt="2021-01-04T20:00:43.140" v="276"/>
+          <ac:spMkLst>
+            <pc:docMk/>
+            <pc:sldMk cId="591514045" sldId="272"/>
+            <ac:spMk id="21" creationId="{C5E2223E-E969-4DBA-BA91-E6F468DDB619}"/>
+          </ac:spMkLst>
+        </pc:spChg>
+        <pc:grpChg chg="del">
+          <ac:chgData name="Marci McGuire" userId="da076b16-69e6-40ca-b632-a9ea416c9c12" providerId="ADAL" clId="{66D2C8EC-293E-4F04-AE6A-CDD078B1D21E}" dt="2021-01-04T19:31:03.715" v="101" actId="478"/>
+          <ac:grpSpMkLst>
+            <pc:docMk/>
+            <pc:sldMk cId="591514045" sldId="272"/>
+            <ac:grpSpMk id="13" creationId="{EF8D960C-0BEB-4294-9391-86A87F994331}"/>
+          </ac:grpSpMkLst>
+        </pc:grpChg>
+        <pc:grpChg chg="add mod">
+          <ac:chgData name="Marci McGuire" userId="da076b16-69e6-40ca-b632-a9ea416c9c12" providerId="ADAL" clId="{66D2C8EC-293E-4F04-AE6A-CDD078B1D21E}" dt="2021-01-04T20:00:43.140" v="276"/>
+          <ac:grpSpMkLst>
+            <pc:docMk/>
+            <pc:sldMk cId="591514045" sldId="272"/>
+            <ac:grpSpMk id="16" creationId="{9802EAB7-2970-46B5-821B-A2709401ACB2}"/>
+          </ac:grpSpMkLst>
+        </pc:grpChg>
+        <pc:picChg chg="add del mod ord">
+          <ac:chgData name="Marci McGuire" userId="da076b16-69e6-40ca-b632-a9ea416c9c12" providerId="ADAL" clId="{66D2C8EC-293E-4F04-AE6A-CDD078B1D21E}" dt="2021-01-04T19:32:22.738" v="110" actId="478"/>
+          <ac:picMkLst>
+            <pc:docMk/>
+            <pc:sldMk cId="591514045" sldId="272"/>
+            <ac:picMk id="14" creationId="{28F3FCE7-0089-4EE9-A80A-F94590331EEB}"/>
+          </ac:picMkLst>
+        </pc:picChg>
+        <pc:picChg chg="mod">
+          <ac:chgData name="Marci McGuire" userId="da076b16-69e6-40ca-b632-a9ea416c9c12" providerId="ADAL" clId="{66D2C8EC-293E-4F04-AE6A-CDD078B1D21E}" dt="2021-01-04T20:00:43.140" v="276"/>
+          <ac:picMkLst>
+            <pc:docMk/>
+            <pc:sldMk cId="591514045" sldId="272"/>
+            <ac:picMk id="17" creationId="{813D6F91-845D-4500-966E-B5044487ED21}"/>
+          </ac:picMkLst>
+        </pc:picChg>
+        <pc:picChg chg="mod">
+          <ac:chgData name="Marci McGuire" userId="da076b16-69e6-40ca-b632-a9ea416c9c12" providerId="ADAL" clId="{66D2C8EC-293E-4F04-AE6A-CDD078B1D21E}" dt="2021-01-04T20:00:43.140" v="276"/>
+          <ac:picMkLst>
+            <pc:docMk/>
+            <pc:sldMk cId="591514045" sldId="272"/>
+            <ac:picMk id="18" creationId="{5568FB11-A22A-48C8-8FEF-8DE1B1680A44}"/>
+          </ac:picMkLst>
+        </pc:picChg>
+        <pc:picChg chg="mod">
+          <ac:chgData name="Marci McGuire" userId="da076b16-69e6-40ca-b632-a9ea416c9c12" providerId="ADAL" clId="{66D2C8EC-293E-4F04-AE6A-CDD078B1D21E}" dt="2021-01-04T20:00:43.140" v="276"/>
+          <ac:picMkLst>
+            <pc:docMk/>
+            <pc:sldMk cId="591514045" sldId="272"/>
+            <ac:picMk id="19" creationId="{15615F05-F890-4DAF-B6A1-6102EB007FED}"/>
+          </ac:picMkLst>
+        </pc:picChg>
+      </pc:sldChg>
+      <pc:sldChg chg="addSp delSp modSp add mod ord">
+        <pc:chgData name="Marci McGuire" userId="da076b16-69e6-40ca-b632-a9ea416c9c12" providerId="ADAL" clId="{66D2C8EC-293E-4F04-AE6A-CDD078B1D21E}" dt="2021-01-04T19:59:32.196" v="233" actId="1037"/>
+        <pc:sldMkLst>
+          <pc:docMk/>
+          <pc:sldMk cId="2737972825" sldId="273"/>
+        </pc:sldMkLst>
+        <pc:spChg chg="mod">
+          <ac:chgData name="Marci McGuire" userId="da076b16-69e6-40ca-b632-a9ea416c9c12" providerId="ADAL" clId="{66D2C8EC-293E-4F04-AE6A-CDD078B1D21E}" dt="2021-01-04T19:30:19.083" v="98" actId="14100"/>
+          <ac:spMkLst>
+            <pc:docMk/>
+            <pc:sldMk cId="2737972825" sldId="273"/>
+            <ac:spMk id="2" creationId="{00000000-0000-0000-0000-000000000000}"/>
+          </ac:spMkLst>
+        </pc:spChg>
+        <pc:spChg chg="mod">
+          <ac:chgData name="Marci McGuire" userId="da076b16-69e6-40ca-b632-a9ea416c9c12" providerId="ADAL" clId="{66D2C8EC-293E-4F04-AE6A-CDD078B1D21E}" dt="2021-01-04T19:35:44.079" v="125" actId="14100"/>
+          <ac:spMkLst>
+            <pc:docMk/>
+            <pc:sldMk cId="2737972825" sldId="273"/>
+            <ac:spMk id="13" creationId="{713744EE-E60B-4F8A-811F-A048A3245CFA}"/>
+          </ac:spMkLst>
+        </pc:spChg>
+        <pc:spChg chg="mod">
+          <ac:chgData name="Marci McGuire" userId="da076b16-69e6-40ca-b632-a9ea416c9c12" providerId="ADAL" clId="{66D2C8EC-293E-4F04-AE6A-CDD078B1D21E}" dt="2021-01-04T19:59:11.589" v="224"/>
+          <ac:spMkLst>
+            <pc:docMk/>
+            <pc:sldMk cId="2737972825" sldId="273"/>
+            <ac:spMk id="19" creationId="{93B9474A-E852-46A8-B2E9-4E2DF87E0684}"/>
+          </ac:spMkLst>
+        </pc:spChg>
+        <pc:spChg chg="mod">
+          <ac:chgData name="Marci McGuire" userId="da076b16-69e6-40ca-b632-a9ea416c9c12" providerId="ADAL" clId="{66D2C8EC-293E-4F04-AE6A-CDD078B1D21E}" dt="2021-01-04T19:59:32.196" v="233" actId="1037"/>
+          <ac:spMkLst>
+            <pc:docMk/>
+            <pc:sldMk cId="2737972825" sldId="273"/>
+            <ac:spMk id="20" creationId="{10D07D6C-D4FE-45E1-A45B-CBC04E93A998}"/>
+          </ac:spMkLst>
+        </pc:spChg>
+        <pc:grpChg chg="del">
+          <ac:chgData name="Marci McGuire" userId="da076b16-69e6-40ca-b632-a9ea416c9c12" providerId="ADAL" clId="{66D2C8EC-293E-4F04-AE6A-CDD078B1D21E}" dt="2021-01-04T19:59:10.132" v="223" actId="478"/>
+          <ac:grpSpMkLst>
+            <pc:docMk/>
+            <pc:sldMk cId="2737972825" sldId="273"/>
+            <ac:grpSpMk id="10" creationId="{4EAE8BFE-11F4-4E8C-BA7B-F8B228EC72EF}"/>
+          </ac:grpSpMkLst>
+        </pc:grpChg>
+        <pc:grpChg chg="add mod">
+          <ac:chgData name="Marci McGuire" userId="da076b16-69e6-40ca-b632-a9ea416c9c12" providerId="ADAL" clId="{66D2C8EC-293E-4F04-AE6A-CDD078B1D21E}" dt="2021-01-04T19:59:11.589" v="224"/>
+          <ac:grpSpMkLst>
+            <pc:docMk/>
+            <pc:sldMk cId="2737972825" sldId="273"/>
+            <ac:grpSpMk id="15" creationId="{D08E570F-E05B-4582-9785-9E3D73A51677}"/>
+          </ac:grpSpMkLst>
+        </pc:grpChg>
+        <pc:picChg chg="del">
+          <ac:chgData name="Marci McGuire" userId="da076b16-69e6-40ca-b632-a9ea416c9c12" providerId="ADAL" clId="{66D2C8EC-293E-4F04-AE6A-CDD078B1D21E}" dt="2021-01-04T19:32:12.511" v="107" actId="478"/>
+          <ac:picMkLst>
+            <pc:docMk/>
+            <pc:sldMk cId="2737972825" sldId="273"/>
+            <ac:picMk id="5" creationId="{E72C8347-D99C-49C5-952A-DCE081998EB5}"/>
+          </ac:picMkLst>
+        </pc:picChg>
+        <pc:picChg chg="add del mod ord modCrop">
+          <ac:chgData name="Marci McGuire" userId="da076b16-69e6-40ca-b632-a9ea416c9c12" providerId="ADAL" clId="{66D2C8EC-293E-4F04-AE6A-CDD078B1D21E}" dt="2021-01-04T19:36:53.784" v="127" actId="478"/>
+          <ac:picMkLst>
+            <pc:docMk/>
+            <pc:sldMk cId="2737972825" sldId="273"/>
+            <ac:picMk id="6" creationId="{948F4EA8-57F1-4E30-90CF-F2BE502276DE}"/>
+          </ac:picMkLst>
+        </pc:picChg>
+        <pc:picChg chg="add del mod ord">
+          <ac:chgData name="Marci McGuire" userId="da076b16-69e6-40ca-b632-a9ea416c9c12" providerId="ADAL" clId="{66D2C8EC-293E-4F04-AE6A-CDD078B1D21E}" dt="2021-01-04T19:38:41.586" v="148" actId="478"/>
+          <ac:picMkLst>
+            <pc:docMk/>
+            <pc:sldMk cId="2737972825" sldId="273"/>
+            <ac:picMk id="8" creationId="{3C606D6C-A4F6-4583-90FF-F250F47D7B8E}"/>
+          </ac:picMkLst>
+        </pc:picChg>
+        <pc:picChg chg="mod">
+          <ac:chgData name="Marci McGuire" userId="da076b16-69e6-40ca-b632-a9ea416c9c12" providerId="ADAL" clId="{66D2C8EC-293E-4F04-AE6A-CDD078B1D21E}" dt="2021-01-04T19:37:34.793" v="136" actId="1076"/>
+          <ac:picMkLst>
+            <pc:docMk/>
+            <pc:sldMk cId="2737972825" sldId="273"/>
+            <ac:picMk id="14" creationId="{35E5951E-A671-4DA2-AA29-467399864D95}"/>
+          </ac:picMkLst>
+        </pc:picChg>
+        <pc:picChg chg="mod">
+          <ac:chgData name="Marci McGuire" userId="da076b16-69e6-40ca-b632-a9ea416c9c12" providerId="ADAL" clId="{66D2C8EC-293E-4F04-AE6A-CDD078B1D21E}" dt="2021-01-04T19:59:11.589" v="224"/>
+          <ac:picMkLst>
+            <pc:docMk/>
+            <pc:sldMk cId="2737972825" sldId="273"/>
+            <ac:picMk id="16" creationId="{5A34E84D-BDD6-4A26-9D02-F13B2A06D4AD}"/>
+          </ac:picMkLst>
+        </pc:picChg>
+        <pc:picChg chg="mod">
+          <ac:chgData name="Marci McGuire" userId="da076b16-69e6-40ca-b632-a9ea416c9c12" providerId="ADAL" clId="{66D2C8EC-293E-4F04-AE6A-CDD078B1D21E}" dt="2021-01-04T19:59:11.589" v="224"/>
+          <ac:picMkLst>
+            <pc:docMk/>
+            <pc:sldMk cId="2737972825" sldId="273"/>
+            <ac:picMk id="17" creationId="{22C76A77-3EE6-416F-848A-47510470DF83}"/>
+          </ac:picMkLst>
+        </pc:picChg>
+        <pc:picChg chg="mod">
+          <ac:chgData name="Marci McGuire" userId="da076b16-69e6-40ca-b632-a9ea416c9c12" providerId="ADAL" clId="{66D2C8EC-293E-4F04-AE6A-CDD078B1D21E}" dt="2021-01-04T19:59:11.589" v="224"/>
+          <ac:picMkLst>
+            <pc:docMk/>
+            <pc:sldMk cId="2737972825" sldId="273"/>
+            <ac:picMk id="18" creationId="{F8768865-4B91-4117-893A-1FB091B596A6}"/>
+          </ac:picMkLst>
+        </pc:picChg>
+      </pc:sldChg>
+    </pc:docChg>
+  </pc:docChgLst>
+</pc:chgInfo>
+</file>
+
 <file path=ppt/notesMasters/notesMaster1.xml><?xml version="1.0" encoding="utf-8"?>
 <p:notesMaster xmlns:a="http://schemas.openxmlformats.org/drawingml/2006/main" xmlns:r="http://schemas.openxmlformats.org/officeDocument/2006/relationships" xmlns:p="http://schemas.openxmlformats.org/presentationml/2006/main">
   <p:cSld>
@@ -239,7 +848,7 @@
           <a:p>
             <a:fld id="{DE3B79CA-456E-4472-A4D5-895141737E00}" type="datetimeFigureOut">
               <a:rPr lang="en-US" smtClean="0"/>
-              <a:t>12/31/2020</a:t>
+              <a:t>1/4/2021</a:t>
             </a:fld>
             <a:endParaRPr lang="en-US" dirty="0"/>
           </a:p>
@@ -729,7 +1338,7 @@
           <a:p>
             <a:fld id="{1D8BD707-D9CF-40AE-B4C6-C98DA3205C09}" type="datetimeFigureOut">
               <a:rPr lang="en-US"/>
-              <a:t>12/31/2020</a:t>
+              <a:t>1/4/2021</a:t>
             </a:fld>
             <a:endParaRPr lang="en-US" dirty="0"/>
           </a:p>
@@ -906,7 +1515,7 @@
           <a:p>
             <a:fld id="{1D8BD707-D9CF-40AE-B4C6-C98DA3205C09}" type="datetimeFigureOut">
               <a:rPr lang="en-US"/>
-              <a:t>12/31/2020</a:t>
+              <a:t>1/4/2021</a:t>
             </a:fld>
             <a:endParaRPr lang="en-US" dirty="0"/>
           </a:p>
@@ -1120,7 +1729,7 @@
           <a:p>
             <a:fld id="{1D8BD707-D9CF-40AE-B4C6-C98DA3205C09}" type="datetimeFigureOut">
               <a:rPr lang="en-US"/>
-              <a:t>12/31/2020</a:t>
+              <a:t>1/4/2021</a:t>
             </a:fld>
             <a:endParaRPr lang="en-US" dirty="0"/>
           </a:p>
@@ -1268,7 +1877,7 @@
           <a:p>
             <a:fld id="{1D8BD707-D9CF-40AE-B4C6-C98DA3205C09}" type="datetimeFigureOut">
               <a:rPr lang="en-US"/>
-              <a:t>12/31/2020</a:t>
+              <a:t>1/4/2021</a:t>
             </a:fld>
             <a:endParaRPr lang="en-US" dirty="0"/>
           </a:p>
@@ -1387,7 +1996,7 @@
           <a:p>
             <a:fld id="{1D8BD707-D9CF-40AE-B4C6-C98DA3205C09}" type="datetimeFigureOut">
               <a:rPr lang="en-US"/>
-              <a:t>12/31/2020</a:t>
+              <a:t>1/4/2021</a:t>
             </a:fld>
             <a:endParaRPr lang="en-US" dirty="0"/>
           </a:p>
@@ -1612,7 +2221,7 @@
           <a:p>
             <a:fld id="{1D8BD707-D9CF-40AE-B4C6-C98DA3205C09}" type="datetimeFigureOut">
               <a:rPr lang="en-US"/>
-              <a:t>12/31/2020</a:t>
+              <a:t>1/4/2021</a:t>
             </a:fld>
             <a:endParaRPr lang="en-US" dirty="0"/>
           </a:p>
@@ -2454,6 +3063,475 @@
         </p:nvSpPr>
         <p:spPr>
           <a:xfrm>
+            <a:off x="2780146" y="2198498"/>
+            <a:ext cx="6179671" cy="2960084"/>
+          </a:xfrm>
+          <a:prstGeom prst="rect">
+            <a:avLst/>
+          </a:prstGeom>
+          <a:blipFill>
+            <a:blip r:embed="rId2" cstate="print"/>
+            <a:stretch>
+              <a:fillRect/>
+            </a:stretch>
+          </a:blipFill>
+        </p:spPr>
+        <p:txBody>
+          <a:bodyPr wrap="square" lIns="0" tIns="0" rIns="0" bIns="0" rtlCol="0"/>
+          <a:lstStyle/>
+          <a:p>
+            <a:endParaRPr dirty="0"/>
+          </a:p>
+        </p:txBody>
+      </p:sp>
+      <p:sp>
+        <p:nvSpPr>
+          <p:cNvPr id="3" name="object 3"/>
+          <p:cNvSpPr/>
+          <p:nvPr/>
+        </p:nvSpPr>
+        <p:spPr>
+          <a:xfrm>
+            <a:off x="2634637" y="2123362"/>
+            <a:ext cx="6642734" cy="3194050"/>
+          </a:xfrm>
+          <a:custGeom>
+            <a:avLst/>
+            <a:gdLst/>
+            <a:ahLst/>
+            <a:cxnLst/>
+            <a:rect l="l" t="t" r="r" b="b"/>
+            <a:pathLst>
+              <a:path w="6642734" h="3194050">
+                <a:moveTo>
+                  <a:pt x="0" y="0"/>
+                </a:moveTo>
+                <a:lnTo>
+                  <a:pt x="6642225" y="0"/>
+                </a:lnTo>
+                <a:lnTo>
+                  <a:pt x="6642225" y="3193924"/>
+                </a:lnTo>
+                <a:lnTo>
+                  <a:pt x="0" y="3193924"/>
+                </a:lnTo>
+                <a:lnTo>
+                  <a:pt x="0" y="0"/>
+                </a:lnTo>
+                <a:close/>
+              </a:path>
+            </a:pathLst>
+          </a:custGeom>
+          <a:ln w="9524">
+            <a:solidFill>
+              <a:srgbClr val="CCCCCC"/>
+            </a:solidFill>
+          </a:ln>
+        </p:spPr>
+        <p:txBody>
+          <a:bodyPr wrap="square" lIns="0" tIns="0" rIns="0" bIns="0" rtlCol="0"/>
+          <a:lstStyle/>
+          <a:p>
+            <a:endParaRPr dirty="0"/>
+          </a:p>
+        </p:txBody>
+      </p:sp>
+      <p:sp>
+        <p:nvSpPr>
+          <p:cNvPr id="4" name="object 4"/>
+          <p:cNvSpPr txBox="1">
+            <a:spLocks noGrp="1"/>
+          </p:cNvSpPr>
+          <p:nvPr>
+            <p:ph type="title"/>
+          </p:nvPr>
+        </p:nvSpPr>
+        <p:spPr>
+          <a:xfrm>
+            <a:off x="634999" y="693928"/>
+            <a:ext cx="9499601" cy="536044"/>
+          </a:xfrm>
+          <a:prstGeom prst="rect">
+            <a:avLst/>
+          </a:prstGeom>
+        </p:spPr>
+        <p:txBody>
+          <a:bodyPr vert="horz" wrap="square" lIns="0" tIns="12700" rIns="0" bIns="0" rtlCol="0">
+            <a:spAutoFit/>
+          </a:bodyPr>
+          <a:lstStyle/>
+          <a:p>
+            <a:pPr marL="12700">
+              <a:lnSpc>
+                <a:spcPct val="100000"/>
+              </a:lnSpc>
+              <a:spcBef>
+                <a:spcPts val="100"/>
+              </a:spcBef>
+            </a:pPr>
+            <a:r>
+              <a:rPr sz="3400" spc="60" dirty="0">
+                <a:solidFill>
+                  <a:srgbClr val="0070BB"/>
+                </a:solidFill>
+              </a:rPr>
+              <a:t>No</a:t>
+            </a:r>
+            <a:r>
+              <a:rPr sz="3400" spc="-270" dirty="0">
+                <a:solidFill>
+                  <a:srgbClr val="0070BB"/>
+                </a:solidFill>
+              </a:rPr>
+              <a:t> </a:t>
+            </a:r>
+            <a:r>
+              <a:rPr sz="3400" spc="-35" dirty="0">
+                <a:solidFill>
+                  <a:srgbClr val="0070BB"/>
+                </a:solidFill>
+              </a:rPr>
+              <a:t>Results</a:t>
+            </a:r>
+            <a:r>
+              <a:rPr lang="en-US" sz="3400" spc="-35" dirty="0">
+                <a:solidFill>
+                  <a:srgbClr val="0070BB"/>
+                </a:solidFill>
+              </a:rPr>
+              <a:t>? F</a:t>
+            </a:r>
+            <a:r>
+              <a:rPr sz="3400" spc="40" dirty="0">
+                <a:solidFill>
+                  <a:srgbClr val="0070BB"/>
+                </a:solidFill>
+              </a:rPr>
+              <a:t>ind</a:t>
+            </a:r>
+            <a:r>
+              <a:rPr sz="3400" spc="-265" dirty="0">
+                <a:solidFill>
+                  <a:srgbClr val="0070BB"/>
+                </a:solidFill>
+              </a:rPr>
+              <a:t> </a:t>
+            </a:r>
+            <a:r>
+              <a:rPr lang="en-US" sz="3400" spc="135" dirty="0">
+                <a:solidFill>
+                  <a:srgbClr val="0070BB"/>
+                </a:solidFill>
+              </a:rPr>
+              <a:t>M</a:t>
+            </a:r>
+            <a:r>
+              <a:rPr sz="3400" spc="135" dirty="0">
+                <a:solidFill>
+                  <a:srgbClr val="0070BB"/>
+                </a:solidFill>
+              </a:rPr>
+              <a:t>ore</a:t>
+            </a:r>
+            <a:r>
+              <a:rPr sz="3400" spc="-265" dirty="0">
+                <a:solidFill>
+                  <a:srgbClr val="0070BB"/>
+                </a:solidFill>
+              </a:rPr>
+              <a:t> </a:t>
+            </a:r>
+            <a:r>
+              <a:rPr lang="en-US" sz="3400" spc="120" dirty="0">
+                <a:solidFill>
+                  <a:srgbClr val="0070BB"/>
+                </a:solidFill>
+              </a:rPr>
+              <a:t>in</a:t>
+            </a:r>
+            <a:r>
+              <a:rPr sz="3400" spc="-265" dirty="0">
+                <a:solidFill>
+                  <a:srgbClr val="0070BB"/>
+                </a:solidFill>
+              </a:rPr>
+              <a:t> </a:t>
+            </a:r>
+            <a:r>
+              <a:rPr sz="3400" spc="-140" dirty="0">
+                <a:solidFill>
+                  <a:srgbClr val="0070BB"/>
+                </a:solidFill>
+              </a:rPr>
+              <a:t>GSA</a:t>
+            </a:r>
+            <a:r>
+              <a:rPr sz="3400" spc="-265" dirty="0">
+                <a:solidFill>
+                  <a:srgbClr val="0070BB"/>
+                </a:solidFill>
+              </a:rPr>
+              <a:t> </a:t>
+            </a:r>
+            <a:r>
+              <a:rPr sz="3400" spc="-10" dirty="0">
+                <a:solidFill>
+                  <a:srgbClr val="0070BB"/>
+                </a:solidFill>
+              </a:rPr>
+              <a:t>Forms</a:t>
+            </a:r>
+            <a:r>
+              <a:rPr sz="3400" spc="-270" dirty="0">
+                <a:solidFill>
+                  <a:srgbClr val="0070BB"/>
+                </a:solidFill>
+              </a:rPr>
+              <a:t> </a:t>
+            </a:r>
+            <a:r>
+              <a:rPr sz="3400" spc="-85" dirty="0">
+                <a:solidFill>
+                  <a:srgbClr val="0070BB"/>
+                </a:solidFill>
+              </a:rPr>
+              <a:t>Library</a:t>
+            </a:r>
+            <a:endParaRPr sz="3400" dirty="0"/>
+          </a:p>
+        </p:txBody>
+      </p:sp>
+      <p:sp>
+        <p:nvSpPr>
+          <p:cNvPr id="5" name="object 5"/>
+          <p:cNvSpPr txBox="1"/>
+          <p:nvPr/>
+        </p:nvSpPr>
+        <p:spPr>
+          <a:xfrm>
+            <a:off x="607925" y="387034"/>
+            <a:ext cx="3291840" cy="269240"/>
+          </a:xfrm>
+          <a:prstGeom prst="rect">
+            <a:avLst/>
+          </a:prstGeom>
+        </p:spPr>
+        <p:txBody>
+          <a:bodyPr vert="horz" wrap="square" lIns="0" tIns="12700" rIns="0" bIns="0" rtlCol="0">
+            <a:spAutoFit/>
+          </a:bodyPr>
+          <a:lstStyle/>
+          <a:p>
+            <a:pPr marL="12700">
+              <a:lnSpc>
+                <a:spcPct val="100000"/>
+              </a:lnSpc>
+              <a:spcBef>
+                <a:spcPts val="100"/>
+              </a:spcBef>
+            </a:pPr>
+            <a:r>
+              <a:rPr sz="1600" b="1" spc="45" dirty="0">
+                <a:solidFill>
+                  <a:srgbClr val="A7A7A7"/>
+                </a:solidFill>
+                <a:latin typeface="Calibri"/>
+                <a:cs typeface="Calibri"/>
+              </a:rPr>
+              <a:t>Find</a:t>
+            </a:r>
+            <a:r>
+              <a:rPr sz="1600" b="1" spc="-50" dirty="0">
+                <a:solidFill>
+                  <a:srgbClr val="A7A7A7"/>
+                </a:solidFill>
+                <a:latin typeface="Calibri"/>
+                <a:cs typeface="Calibri"/>
+              </a:rPr>
+              <a:t> </a:t>
+            </a:r>
+            <a:r>
+              <a:rPr sz="1600" b="1" spc="-100" dirty="0">
+                <a:solidFill>
+                  <a:srgbClr val="A7A7A7"/>
+                </a:solidFill>
+                <a:latin typeface="Calibri"/>
+                <a:cs typeface="Calibri"/>
+              </a:rPr>
+              <a:t>VA</a:t>
+            </a:r>
+            <a:r>
+              <a:rPr sz="1600" b="1" spc="-45" dirty="0">
+                <a:solidFill>
+                  <a:srgbClr val="A7A7A7"/>
+                </a:solidFill>
+                <a:latin typeface="Calibri"/>
+                <a:cs typeface="Calibri"/>
+              </a:rPr>
+              <a:t> </a:t>
+            </a:r>
+            <a:r>
+              <a:rPr sz="1600" b="1" spc="35" dirty="0">
+                <a:solidFill>
+                  <a:srgbClr val="A7A7A7"/>
+                </a:solidFill>
+                <a:latin typeface="Calibri"/>
+                <a:cs typeface="Calibri"/>
+              </a:rPr>
+              <a:t>Forms</a:t>
+            </a:r>
+            <a:r>
+              <a:rPr lang="en-US" sz="1600" b="1" spc="-50" dirty="0">
+                <a:solidFill>
+                  <a:srgbClr val="A7A7A7"/>
+                </a:solidFill>
+                <a:latin typeface="Calibri"/>
+                <a:cs typeface="Calibri"/>
+              </a:rPr>
+              <a:t>—</a:t>
+            </a:r>
+            <a:r>
+              <a:rPr sz="1600" b="1" spc="40" dirty="0">
+                <a:solidFill>
+                  <a:srgbClr val="A7A7A7"/>
+                </a:solidFill>
+                <a:latin typeface="Calibri"/>
+                <a:cs typeface="Calibri"/>
+              </a:rPr>
+              <a:t>Search</a:t>
+            </a:r>
+            <a:r>
+              <a:rPr sz="1600" b="1" spc="-50" dirty="0">
+                <a:solidFill>
+                  <a:srgbClr val="A7A7A7"/>
+                </a:solidFill>
+                <a:latin typeface="Calibri"/>
+                <a:cs typeface="Calibri"/>
+              </a:rPr>
+              <a:t> </a:t>
+            </a:r>
+            <a:r>
+              <a:rPr sz="1600" b="1" spc="35" dirty="0">
+                <a:solidFill>
+                  <a:srgbClr val="A7A7A7"/>
+                </a:solidFill>
+                <a:latin typeface="Calibri"/>
+                <a:cs typeface="Calibri"/>
+              </a:rPr>
+              <a:t>Product</a:t>
+            </a:r>
+            <a:r>
+              <a:rPr sz="1600" b="1" spc="-45" dirty="0">
+                <a:solidFill>
+                  <a:srgbClr val="A7A7A7"/>
+                </a:solidFill>
+                <a:latin typeface="Calibri"/>
+                <a:cs typeface="Calibri"/>
+              </a:rPr>
+              <a:t> </a:t>
+            </a:r>
+            <a:r>
+              <a:rPr sz="1600" b="1" spc="15" dirty="0">
+                <a:solidFill>
+                  <a:srgbClr val="A7A7A7"/>
+                </a:solidFill>
+                <a:latin typeface="Calibri"/>
+                <a:cs typeface="Calibri"/>
+              </a:rPr>
+              <a:t>Guide</a:t>
+            </a:r>
+            <a:endParaRPr sz="1600" dirty="0">
+              <a:latin typeface="Calibri"/>
+              <a:cs typeface="Calibri"/>
+            </a:endParaRPr>
+          </a:p>
+        </p:txBody>
+      </p:sp>
+      <p:sp>
+        <p:nvSpPr>
+          <p:cNvPr id="6" name="object 6"/>
+          <p:cNvSpPr/>
+          <p:nvPr/>
+        </p:nvSpPr>
+        <p:spPr>
+          <a:xfrm>
+            <a:off x="2729700" y="4736550"/>
+            <a:ext cx="5913120" cy="453390"/>
+          </a:xfrm>
+          <a:custGeom>
+            <a:avLst/>
+            <a:gdLst/>
+            <a:ahLst/>
+            <a:cxnLst/>
+            <a:rect l="l" t="t" r="r" b="b"/>
+            <a:pathLst>
+              <a:path w="5913120" h="453389">
+                <a:moveTo>
+                  <a:pt x="0" y="0"/>
+                </a:moveTo>
+                <a:lnTo>
+                  <a:pt x="5912699" y="0"/>
+                </a:lnTo>
+                <a:lnTo>
+                  <a:pt x="5912699" y="452999"/>
+                </a:lnTo>
+                <a:lnTo>
+                  <a:pt x="0" y="452999"/>
+                </a:lnTo>
+                <a:lnTo>
+                  <a:pt x="0" y="0"/>
+                </a:lnTo>
+                <a:close/>
+              </a:path>
+            </a:pathLst>
+          </a:custGeom>
+          <a:ln w="38099">
+            <a:solidFill>
+              <a:srgbClr val="FF0000"/>
+            </a:solidFill>
+          </a:ln>
+        </p:spPr>
+        <p:txBody>
+          <a:bodyPr wrap="square" lIns="0" tIns="0" rIns="0" bIns="0" rtlCol="0"/>
+          <a:lstStyle/>
+          <a:p>
+            <a:endParaRPr dirty="0"/>
+          </a:p>
+        </p:txBody>
+      </p:sp>
+    </p:spTree>
+  </p:cSld>
+  <p:clrMapOvr>
+    <a:masterClrMapping/>
+  </p:clrMapOvr>
+</p:sld>
+</file>
+
+<file path=ppt/slides/slide11.xml><?xml version="1.0" encoding="utf-8"?>
+<p:sld xmlns:a="http://schemas.openxmlformats.org/drawingml/2006/main" xmlns:r="http://schemas.openxmlformats.org/officeDocument/2006/relationships" xmlns:p="http://schemas.openxmlformats.org/presentationml/2006/main" showMasterSp="0">
+  <p:cSld>
+    <p:spTree>
+      <p:nvGrpSpPr>
+        <p:cNvPr id="1" name=""/>
+        <p:cNvGrpSpPr/>
+        <p:nvPr/>
+      </p:nvGrpSpPr>
+      <p:grpSpPr>
+        <a:xfrm>
+          <a:off x="0" y="0"/>
+          <a:ext cx="0" cy="0"/>
+          <a:chOff x="0" y="0"/>
+          <a:chExt cx="0" cy="0"/>
+        </a:xfrm>
+      </p:grpSpPr>
+      <p:sp>
+        <p:nvSpPr>
+          <p:cNvPr id="2" name="object 2"/>
+          <p:cNvSpPr/>
+          <p:nvPr/>
+        </p:nvSpPr>
+        <p:spPr>
+          <a:xfrm>
             <a:off x="2263456" y="1914614"/>
             <a:ext cx="7743350" cy="3779039"/>
           </a:xfrm>
@@ -2870,7 +3948,7 @@
 </p:sld>
 </file>
 
-<file path=ppt/slides/slide11.xml><?xml version="1.0" encoding="utf-8"?>
+<file path=ppt/slides/slide12.xml><?xml version="1.0" encoding="utf-8"?>
 <p:sld xmlns:a="http://schemas.openxmlformats.org/drawingml/2006/main" xmlns:r="http://schemas.openxmlformats.org/officeDocument/2006/relationships" xmlns:p="http://schemas.openxmlformats.org/presentationml/2006/main" showMasterSp="0">
   <p:cSld>
     <p:spTree>
@@ -3290,7 +4368,7 @@
 </p:sld>
 </file>
 
-<file path=ppt/slides/slide12.xml><?xml version="1.0" encoding="utf-8"?>
+<file path=ppt/slides/slide13.xml><?xml version="1.0" encoding="utf-8"?>
 <p:sld xmlns:a="http://schemas.openxmlformats.org/drawingml/2006/main" xmlns:r="http://schemas.openxmlformats.org/officeDocument/2006/relationships" xmlns:p="http://schemas.openxmlformats.org/presentationml/2006/main" showMasterSp="0">
   <p:cSld>
     <p:spTree>
@@ -3726,7 +4804,7 @@
 </p:sld>
 </file>
 
-<file path=ppt/slides/slide13.xml><?xml version="1.0" encoding="utf-8"?>
+<file path=ppt/slides/slide14.xml><?xml version="1.0" encoding="utf-8"?>
 <p:sld xmlns:a="http://schemas.openxmlformats.org/drawingml/2006/main" xmlns:r="http://schemas.openxmlformats.org/officeDocument/2006/relationships" xmlns:p="http://schemas.openxmlformats.org/presentationml/2006/main" showMasterSp="0">
   <p:cSld>
     <p:spTree>
@@ -3869,7 +4947,7 @@
 </p:sld>
 </file>
 
-<file path=ppt/slides/slide14.xml><?xml version="1.0" encoding="utf-8"?>
+<file path=ppt/slides/slide15.xml><?xml version="1.0" encoding="utf-8"?>
 <p:sld xmlns:a="http://schemas.openxmlformats.org/drawingml/2006/main" xmlns:r="http://schemas.openxmlformats.org/officeDocument/2006/relationships" xmlns:p="http://schemas.openxmlformats.org/presentationml/2006/main" showMasterSp="0">
   <p:cSld>
     <p:spTree>
@@ -4483,7 +5561,7 @@
 </p:sld>
 </file>
 
-<file path=ppt/slides/slide15.xml><?xml version="1.0" encoding="utf-8"?>
+<file path=ppt/slides/slide16.xml><?xml version="1.0" encoding="utf-8"?>
 <p:sld xmlns:a="http://schemas.openxmlformats.org/drawingml/2006/main" xmlns:r="http://schemas.openxmlformats.org/officeDocument/2006/relationships" xmlns:p="http://schemas.openxmlformats.org/presentationml/2006/main" showMasterSp="0">
   <p:cSld>
     <p:spTree>
@@ -4697,10 +5775,10 @@
       </p:sp>
       <p:grpSp>
         <p:nvGrpSpPr>
-          <p:cNvPr id="13" name="Group 12">
+          <p:cNvPr id="16" name="Group 15">
             <a:extLst>
               <a:ext uri="{FF2B5EF4-FFF2-40B4-BE49-F238E27FC236}">
-                <a16:creationId xmlns:a16="http://schemas.microsoft.com/office/drawing/2014/main" id="{EF8D960C-0BEB-4294-9391-86A87F994331}"/>
+                <a16:creationId xmlns:a16="http://schemas.microsoft.com/office/drawing/2014/main" id="{9802EAB7-2970-46B5-821B-A2709401ACB2}"/>
               </a:ext>
             </a:extLst>
           </p:cNvPr>
@@ -4709,18 +5787,107 @@
         </p:nvGrpSpPr>
         <p:grpSpPr>
           <a:xfrm>
-            <a:off x="2630760" y="1354712"/>
-            <a:ext cx="6854281" cy="5350888"/>
-            <a:chOff x="2630760" y="1354712"/>
-            <a:chExt cx="6854281" cy="5350888"/>
+            <a:off x="2630760" y="1218978"/>
+            <a:ext cx="7023820" cy="5458610"/>
+            <a:chOff x="2630760" y="1218978"/>
+            <a:chExt cx="7023820" cy="5458610"/>
           </a:xfrm>
         </p:grpSpPr>
+        <p:pic>
+          <p:nvPicPr>
+            <p:cNvPr id="17" name="Picture 16">
+              <a:extLst>
+                <a:ext uri="{FF2B5EF4-FFF2-40B4-BE49-F238E27FC236}">
+                  <a16:creationId xmlns:a16="http://schemas.microsoft.com/office/drawing/2014/main" id="{813D6F91-845D-4500-966E-B5044487ED21}"/>
+                </a:ext>
+              </a:extLst>
+            </p:cNvPr>
+            <p:cNvPicPr>
+              <a:picLocks noChangeAspect="1"/>
+            </p:cNvPicPr>
+            <p:nvPr/>
+          </p:nvPicPr>
+          <p:blipFill rotWithShape="1">
+            <a:blip r:embed="rId2"/>
+            <a:srcRect b="30404"/>
+            <a:stretch/>
+          </p:blipFill>
+          <p:spPr>
+            <a:xfrm>
+              <a:off x="2630760" y="1218978"/>
+              <a:ext cx="6981825" cy="4600575"/>
+            </a:xfrm>
+            <a:prstGeom prst="rect">
+              <a:avLst/>
+            </a:prstGeom>
+          </p:spPr>
+        </p:pic>
+        <p:pic>
+          <p:nvPicPr>
+            <p:cNvPr id="18" name="Picture 17">
+              <a:extLst>
+                <a:ext uri="{FF2B5EF4-FFF2-40B4-BE49-F238E27FC236}">
+                  <a16:creationId xmlns:a16="http://schemas.microsoft.com/office/drawing/2014/main" id="{5568FB11-A22A-48C8-8FEF-8DE1B1680A44}"/>
+                </a:ext>
+              </a:extLst>
+            </p:cNvPr>
+            <p:cNvPicPr>
+              <a:picLocks noChangeAspect="1"/>
+            </p:cNvPicPr>
+            <p:nvPr/>
+          </p:nvPicPr>
+          <p:blipFill>
+            <a:blip r:embed="rId3"/>
+            <a:stretch>
+              <a:fillRect/>
+            </a:stretch>
+          </p:blipFill>
+          <p:spPr>
+            <a:xfrm>
+              <a:off x="7848600" y="4236566"/>
+              <a:ext cx="1600200" cy="307732"/>
+            </a:xfrm>
+            <a:prstGeom prst="rect">
+              <a:avLst/>
+            </a:prstGeom>
+          </p:spPr>
+        </p:pic>
+        <p:pic>
+          <p:nvPicPr>
+            <p:cNvPr id="19" name="Picture 18">
+              <a:extLst>
+                <a:ext uri="{FF2B5EF4-FFF2-40B4-BE49-F238E27FC236}">
+                  <a16:creationId xmlns:a16="http://schemas.microsoft.com/office/drawing/2014/main" id="{15615F05-F890-4DAF-B6A1-6102EB007FED}"/>
+                </a:ext>
+              </a:extLst>
+            </p:cNvPr>
+            <p:cNvPicPr>
+              <a:picLocks noChangeAspect="1"/>
+            </p:cNvPicPr>
+            <p:nvPr/>
+          </p:nvPicPr>
+          <p:blipFill>
+            <a:blip r:embed="rId4"/>
+            <a:stretch>
+              <a:fillRect/>
+            </a:stretch>
+          </p:blipFill>
+          <p:spPr>
+            <a:xfrm>
+              <a:off x="2672755" y="4610663"/>
+              <a:ext cx="6981825" cy="2066925"/>
+            </a:xfrm>
+            <a:prstGeom prst="rect">
+              <a:avLst/>
+            </a:prstGeom>
+          </p:spPr>
+        </p:pic>
         <p:sp>
           <p:nvSpPr>
-            <p:cNvPr id="9" name="object 5">
+            <p:cNvPr id="20" name="object 5">
               <a:extLst>
                 <a:ext uri="{FF2B5EF4-FFF2-40B4-BE49-F238E27FC236}">
-                  <a16:creationId xmlns:a16="http://schemas.microsoft.com/office/drawing/2014/main" id="{C86CC380-6F65-473C-8527-238DD8B8DDFE}"/>
+                  <a16:creationId xmlns:a16="http://schemas.microsoft.com/office/drawing/2014/main" id="{BD949CD2-C1C7-41C0-82D6-E6DA30603BCE}"/>
                 </a:ext>
               </a:extLst>
             </p:cNvPr>
@@ -4729,7 +5896,7 @@
           </p:nvSpPr>
           <p:spPr>
             <a:xfrm>
-              <a:off x="2630760" y="1354712"/>
+              <a:off x="2683436" y="1296370"/>
               <a:ext cx="6854281" cy="5350888"/>
             </a:xfrm>
             <a:custGeom>
@@ -4773,41 +5940,12 @@
             </a:p>
           </p:txBody>
         </p:sp>
-        <p:pic>
-          <p:nvPicPr>
-            <p:cNvPr id="10" name="Picture 9">
+        <p:sp>
+          <p:nvSpPr>
+            <p:cNvPr id="21" name="object 6">
               <a:extLst>
                 <a:ext uri="{FF2B5EF4-FFF2-40B4-BE49-F238E27FC236}">
-                  <a16:creationId xmlns:a16="http://schemas.microsoft.com/office/drawing/2014/main" id="{C8DFB802-C3D1-4B16-A21F-A16F96860ADC}"/>
-                </a:ext>
-              </a:extLst>
-            </p:cNvPr>
-            <p:cNvPicPr>
-              <a:picLocks noChangeAspect="1"/>
-            </p:cNvPicPr>
-            <p:nvPr/>
-          </p:nvPicPr>
-          <p:blipFill rotWithShape="1">
-            <a:blip r:embed="rId2"/>
-            <a:srcRect l="-1198" b="20582"/>
-            <a:stretch/>
-          </p:blipFill>
-          <p:spPr>
-            <a:xfrm>
-              <a:off x="2706959" y="1411438"/>
-              <a:ext cx="6437745" cy="5217962"/>
-            </a:xfrm>
-            <a:prstGeom prst="rect">
-              <a:avLst/>
-            </a:prstGeom>
-          </p:spPr>
-        </p:pic>
-        <p:sp>
-          <p:nvSpPr>
-            <p:cNvPr id="11" name="object 6">
-              <a:extLst>
-                <a:ext uri="{FF2B5EF4-FFF2-40B4-BE49-F238E27FC236}">
-                  <a16:creationId xmlns:a16="http://schemas.microsoft.com/office/drawing/2014/main" id="{9C88CA92-49F5-48C0-8560-642ABEFF41A8}"/>
+                  <a16:creationId xmlns:a16="http://schemas.microsoft.com/office/drawing/2014/main" id="{C5E2223E-E969-4DBA-BA91-E6F468DDB619}"/>
                 </a:ext>
               </a:extLst>
             </p:cNvPr>
@@ -4816,8 +5954,8 @@
           </p:nvSpPr>
           <p:spPr>
             <a:xfrm>
-              <a:off x="2895600" y="4572000"/>
-              <a:ext cx="6019800" cy="381000"/>
+              <a:off x="2743200" y="4724400"/>
+              <a:ext cx="4876800" cy="381000"/>
             </a:xfrm>
             <a:custGeom>
               <a:avLst/>
@@ -4860,36 +5998,6 @@
             </a:p>
           </p:txBody>
         </p:sp>
-        <p:pic>
-          <p:nvPicPr>
-            <p:cNvPr id="12" name="Picture 11">
-              <a:extLst>
-                <a:ext uri="{FF2B5EF4-FFF2-40B4-BE49-F238E27FC236}">
-                  <a16:creationId xmlns:a16="http://schemas.microsoft.com/office/drawing/2014/main" id="{19F40322-A214-45A6-ABAA-F6562DA06950}"/>
-                </a:ext>
-              </a:extLst>
-            </p:cNvPr>
-            <p:cNvPicPr>
-              <a:picLocks noChangeAspect="1"/>
-            </p:cNvPicPr>
-            <p:nvPr/>
-          </p:nvPicPr>
-          <p:blipFill>
-            <a:blip r:embed="rId3"/>
-            <a:stretch>
-              <a:fillRect/>
-            </a:stretch>
-          </p:blipFill>
-          <p:spPr>
-            <a:xfrm>
-              <a:off x="7446010" y="3911600"/>
-              <a:ext cx="1600200" cy="307732"/>
-            </a:xfrm>
-            <a:prstGeom prst="rect">
-              <a:avLst/>
-            </a:prstGeom>
-          </p:spPr>
-        </p:pic>
       </p:grpSp>
     </p:spTree>
     <p:extLst>
@@ -4904,7 +6012,7 @@
 </p:sld>
 </file>
 
-<file path=ppt/slides/slide16.xml><?xml version="1.0" encoding="utf-8"?>
+<file path=ppt/slides/slide17.xml><?xml version="1.0" encoding="utf-8"?>
 <p:sld xmlns:a="http://schemas.openxmlformats.org/drawingml/2006/main" xmlns:r="http://schemas.openxmlformats.org/officeDocument/2006/relationships" xmlns:p="http://schemas.openxmlformats.org/presentationml/2006/main" showMasterSp="0">
   <p:cSld>
     <p:spTree>
@@ -5897,7 +7005,7 @@
 </p:sld>
 </file>
 
-<file path=ppt/slides/slide17.xml><?xml version="1.0" encoding="utf-8"?>
+<file path=ppt/slides/slide18.xml><?xml version="1.0" encoding="utf-8"?>
 <p:sld xmlns:a="http://schemas.openxmlformats.org/drawingml/2006/main" xmlns:r="http://schemas.openxmlformats.org/officeDocument/2006/relationships" xmlns:p="http://schemas.openxmlformats.org/presentationml/2006/main" showMasterSp="0">
   <p:cSld>
     <p:spTree>
@@ -7644,6 +8752,36 @@
           <a:chExt cx="0" cy="0"/>
         </a:xfrm>
       </p:grpSpPr>
+      <p:pic>
+        <p:nvPicPr>
+          <p:cNvPr id="9" name="Picture 8">
+            <a:extLst>
+              <a:ext uri="{FF2B5EF4-FFF2-40B4-BE49-F238E27FC236}">
+                <a16:creationId xmlns:a16="http://schemas.microsoft.com/office/drawing/2014/main" id="{153CDD1C-010F-4AC3-82D1-D80220B20047}"/>
+              </a:ext>
+            </a:extLst>
+          </p:cNvPr>
+          <p:cNvPicPr>
+            <a:picLocks noChangeAspect="1"/>
+          </p:cNvPicPr>
+          <p:nvPr/>
+        </p:nvPicPr>
+        <p:blipFill>
+          <a:blip r:embed="rId2"/>
+          <a:stretch>
+            <a:fillRect/>
+          </a:stretch>
+        </p:blipFill>
+        <p:spPr>
+          <a:xfrm>
+            <a:off x="604837" y="1523887"/>
+            <a:ext cx="8042678" cy="4800713"/>
+          </a:xfrm>
+          <a:prstGeom prst="rect">
+            <a:avLst/>
+          </a:prstGeom>
+        </p:spPr>
+      </p:pic>
       <p:sp>
         <p:nvSpPr>
           <p:cNvPr id="2" name="object 2"/>
@@ -7894,43 +9032,14 @@
       </p:sp>
       <p:sp>
         <p:nvSpPr>
-          <p:cNvPr id="3" name="object 3"/>
-          <p:cNvSpPr/>
-          <p:nvPr/>
-        </p:nvSpPr>
-        <p:spPr>
-          <a:xfrm>
-            <a:off x="609600" y="1688175"/>
-            <a:ext cx="7471648" cy="4326045"/>
-          </a:xfrm>
-          <a:prstGeom prst="rect">
-            <a:avLst/>
-          </a:prstGeom>
-          <a:blipFill>
-            <a:blip r:embed="rId2" cstate="print"/>
-            <a:stretch>
-              <a:fillRect/>
-            </a:stretch>
-          </a:blipFill>
-        </p:spPr>
-        <p:txBody>
-          <a:bodyPr wrap="square" lIns="0" tIns="0" rIns="0" bIns="0" rtlCol="0"/>
-          <a:lstStyle/>
-          <a:p>
-            <a:endParaRPr dirty="0"/>
-          </a:p>
-        </p:txBody>
-      </p:sp>
-      <p:sp>
-        <p:nvSpPr>
           <p:cNvPr id="4" name="object 4"/>
           <p:cNvSpPr/>
           <p:nvPr/>
         </p:nvSpPr>
         <p:spPr>
           <a:xfrm>
-            <a:off x="604837" y="1683412"/>
-            <a:ext cx="7481570" cy="4509770"/>
+            <a:off x="604836" y="1523887"/>
+            <a:ext cx="8042677" cy="4669295"/>
           </a:xfrm>
           <a:custGeom>
             <a:avLst/>
@@ -7981,8 +9090,8 @@
         </p:nvSpPr>
         <p:spPr>
           <a:xfrm>
-            <a:off x="852798" y="4962559"/>
-            <a:ext cx="2275840" cy="514350"/>
+            <a:off x="685800" y="5029200"/>
+            <a:ext cx="5791200" cy="609600"/>
           </a:xfrm>
           <a:custGeom>
             <a:avLst/>
@@ -8033,8 +9142,8 @@
         </p:nvSpPr>
         <p:spPr>
           <a:xfrm>
-            <a:off x="5470035" y="1736312"/>
-            <a:ext cx="2348230" cy="764540"/>
+            <a:off x="5943600" y="1683412"/>
+            <a:ext cx="2438400" cy="754988"/>
           </a:xfrm>
           <a:custGeom>
             <a:avLst/>
@@ -8085,7 +9194,7 @@
         </p:nvSpPr>
         <p:spPr>
           <a:xfrm>
-            <a:off x="8647515" y="2693813"/>
+            <a:off x="8915400" y="2667000"/>
             <a:ext cx="2790825" cy="1095749"/>
           </a:xfrm>
           <a:prstGeom prst="rect">
@@ -8930,10 +10039,10 @@
       </p:sp>
       <p:grpSp>
         <p:nvGrpSpPr>
-          <p:cNvPr id="13" name="Group 12">
+          <p:cNvPr id="17" name="Group 16">
             <a:extLst>
               <a:ext uri="{FF2B5EF4-FFF2-40B4-BE49-F238E27FC236}">
-                <a16:creationId xmlns:a16="http://schemas.microsoft.com/office/drawing/2014/main" id="{EF8D960C-0BEB-4294-9391-86A87F994331}"/>
+                <a16:creationId xmlns:a16="http://schemas.microsoft.com/office/drawing/2014/main" id="{79CD11F0-125A-4832-B48C-87FE3C4E1AB6}"/>
               </a:ext>
             </a:extLst>
           </p:cNvPr>
@@ -8942,76 +10051,18 @@
         </p:nvGrpSpPr>
         <p:grpSpPr>
           <a:xfrm>
-            <a:off x="2630760" y="1354712"/>
-            <a:ext cx="6854281" cy="5350888"/>
-            <a:chOff x="2630760" y="1354712"/>
-            <a:chExt cx="6854281" cy="5350888"/>
+            <a:off x="2630760" y="1218978"/>
+            <a:ext cx="7023820" cy="5458610"/>
+            <a:chOff x="2630760" y="1218978"/>
+            <a:chExt cx="7023820" cy="5458610"/>
           </a:xfrm>
         </p:grpSpPr>
-        <p:sp>
-          <p:nvSpPr>
-            <p:cNvPr id="9" name="object 5">
+        <p:pic>
+          <p:nvPicPr>
+            <p:cNvPr id="7" name="Picture 6">
               <a:extLst>
                 <a:ext uri="{FF2B5EF4-FFF2-40B4-BE49-F238E27FC236}">
-                  <a16:creationId xmlns:a16="http://schemas.microsoft.com/office/drawing/2014/main" id="{C86CC380-6F65-473C-8527-238DD8B8DDFE}"/>
-                </a:ext>
-              </a:extLst>
-            </p:cNvPr>
-            <p:cNvSpPr/>
-            <p:nvPr/>
-          </p:nvSpPr>
-          <p:spPr>
-            <a:xfrm>
-              <a:off x="2630760" y="1354712"/>
-              <a:ext cx="6854281" cy="5350888"/>
-            </a:xfrm>
-            <a:custGeom>
-              <a:avLst/>
-              <a:gdLst/>
-              <a:ahLst/>
-              <a:cxnLst/>
-              <a:rect l="l" t="t" r="r" b="b"/>
-              <a:pathLst>
-                <a:path w="5101590" h="5055235">
-                  <a:moveTo>
-                    <a:pt x="0" y="0"/>
-                  </a:moveTo>
-                  <a:lnTo>
-                    <a:pt x="5101498" y="0"/>
-                  </a:lnTo>
-                  <a:lnTo>
-                    <a:pt x="5101498" y="5054902"/>
-                  </a:lnTo>
-                  <a:lnTo>
-                    <a:pt x="0" y="5054902"/>
-                  </a:lnTo>
-                  <a:lnTo>
-                    <a:pt x="0" y="0"/>
-                  </a:lnTo>
-                  <a:close/>
-                </a:path>
-              </a:pathLst>
-            </a:custGeom>
-            <a:ln w="9524">
-              <a:solidFill>
-                <a:srgbClr val="CCCCCC"/>
-              </a:solidFill>
-            </a:ln>
-          </p:spPr>
-          <p:txBody>
-            <a:bodyPr wrap="square" lIns="0" tIns="0" rIns="0" bIns="0" rtlCol="0"/>
-            <a:lstStyle/>
-            <a:p>
-              <a:endParaRPr dirty="0"/>
-            </a:p>
-          </p:txBody>
-        </p:sp>
-        <p:pic>
-          <p:nvPicPr>
-            <p:cNvPr id="10" name="Picture 9">
-              <a:extLst>
-                <a:ext uri="{FF2B5EF4-FFF2-40B4-BE49-F238E27FC236}">
-                  <a16:creationId xmlns:a16="http://schemas.microsoft.com/office/drawing/2014/main" id="{C8DFB802-C3D1-4B16-A21F-A16F96860ADC}"/>
+                  <a16:creationId xmlns:a16="http://schemas.microsoft.com/office/drawing/2014/main" id="{FF903935-8A6F-454D-8417-506684019B48}"/>
                 </a:ext>
               </a:extLst>
             </p:cNvPr>
@@ -9022,13 +10073,13 @@
           </p:nvPicPr>
           <p:blipFill rotWithShape="1">
             <a:blip r:embed="rId2"/>
-            <a:srcRect l="-1198" b="20582"/>
+            <a:srcRect b="30404"/>
             <a:stretch/>
           </p:blipFill>
           <p:spPr>
             <a:xfrm>
-              <a:off x="2706959" y="1411438"/>
-              <a:ext cx="6437745" cy="5217962"/>
+              <a:off x="2630760" y="1218978"/>
+              <a:ext cx="6981825" cy="4600575"/>
             </a:xfrm>
             <a:prstGeom prst="rect">
               <a:avLst/>
@@ -9049,8 +10100,8 @@
           </p:nvSpPr>
           <p:spPr>
             <a:xfrm>
-              <a:off x="7391399" y="3892550"/>
-              <a:ext cx="1762829" cy="381000"/>
+              <a:off x="7788132" y="4206236"/>
+              <a:ext cx="1712641" cy="381000"/>
             </a:xfrm>
             <a:custGeom>
               <a:avLst/>
@@ -9115,7 +10166,7 @@
           </p:blipFill>
           <p:spPr>
             <a:xfrm>
-              <a:off x="7446010" y="3911600"/>
+              <a:off x="7848600" y="4236566"/>
               <a:ext cx="1600200" cy="307732"/>
             </a:xfrm>
             <a:prstGeom prst="rect">
@@ -9123,6 +10174,94 @@
             </a:prstGeom>
           </p:spPr>
         </p:pic>
+        <p:pic>
+          <p:nvPicPr>
+            <p:cNvPr id="14" name="Picture 13">
+              <a:extLst>
+                <a:ext uri="{FF2B5EF4-FFF2-40B4-BE49-F238E27FC236}">
+                  <a16:creationId xmlns:a16="http://schemas.microsoft.com/office/drawing/2014/main" id="{91DC6235-F06F-4617-BAFA-4D62D940404D}"/>
+                </a:ext>
+              </a:extLst>
+            </p:cNvPr>
+            <p:cNvPicPr>
+              <a:picLocks noChangeAspect="1"/>
+            </p:cNvPicPr>
+            <p:nvPr/>
+          </p:nvPicPr>
+          <p:blipFill>
+            <a:blip r:embed="rId4"/>
+            <a:stretch>
+              <a:fillRect/>
+            </a:stretch>
+          </p:blipFill>
+          <p:spPr>
+            <a:xfrm>
+              <a:off x="2672755" y="4610663"/>
+              <a:ext cx="6981825" cy="2066925"/>
+            </a:xfrm>
+            <a:prstGeom prst="rect">
+              <a:avLst/>
+            </a:prstGeom>
+          </p:spPr>
+        </p:pic>
+        <p:sp>
+          <p:nvSpPr>
+            <p:cNvPr id="9" name="object 5">
+              <a:extLst>
+                <a:ext uri="{FF2B5EF4-FFF2-40B4-BE49-F238E27FC236}">
+                  <a16:creationId xmlns:a16="http://schemas.microsoft.com/office/drawing/2014/main" id="{C86CC380-6F65-473C-8527-238DD8B8DDFE}"/>
+                </a:ext>
+              </a:extLst>
+            </p:cNvPr>
+            <p:cNvSpPr/>
+            <p:nvPr/>
+          </p:nvSpPr>
+          <p:spPr>
+            <a:xfrm>
+              <a:off x="2683436" y="1296370"/>
+              <a:ext cx="6854281" cy="5350888"/>
+            </a:xfrm>
+            <a:custGeom>
+              <a:avLst/>
+              <a:gdLst/>
+              <a:ahLst/>
+              <a:cxnLst/>
+              <a:rect l="l" t="t" r="r" b="b"/>
+              <a:pathLst>
+                <a:path w="5101590" h="5055235">
+                  <a:moveTo>
+                    <a:pt x="0" y="0"/>
+                  </a:moveTo>
+                  <a:lnTo>
+                    <a:pt x="5101498" y="0"/>
+                  </a:lnTo>
+                  <a:lnTo>
+                    <a:pt x="5101498" y="5054902"/>
+                  </a:lnTo>
+                  <a:lnTo>
+                    <a:pt x="0" y="5054902"/>
+                  </a:lnTo>
+                  <a:lnTo>
+                    <a:pt x="0" y="0"/>
+                  </a:lnTo>
+                  <a:close/>
+                </a:path>
+              </a:pathLst>
+            </a:custGeom>
+            <a:ln w="9524">
+              <a:solidFill>
+                <a:srgbClr val="CCCCCC"/>
+              </a:solidFill>
+            </a:ln>
+          </p:spPr>
+          <p:txBody>
+            <a:bodyPr wrap="square" lIns="0" tIns="0" rIns="0" bIns="0" rtlCol="0"/>
+            <a:lstStyle/>
+            <a:p>
+              <a:endParaRPr dirty="0"/>
+            </a:p>
+          </p:txBody>
+        </p:sp>
       </p:grpSp>
     </p:spTree>
   </p:cSld>
@@ -9362,10 +10501,10 @@
       </p:sp>
       <p:grpSp>
         <p:nvGrpSpPr>
-          <p:cNvPr id="13" name="Group 12">
+          <p:cNvPr id="26" name="Group 25">
             <a:extLst>
               <a:ext uri="{FF2B5EF4-FFF2-40B4-BE49-F238E27FC236}">
-                <a16:creationId xmlns:a16="http://schemas.microsoft.com/office/drawing/2014/main" id="{EF8D960C-0BEB-4294-9391-86A87F994331}"/>
+                <a16:creationId xmlns:a16="http://schemas.microsoft.com/office/drawing/2014/main" id="{602F09AB-406D-42FB-96B4-BEBEFA282936}"/>
               </a:ext>
             </a:extLst>
           </p:cNvPr>
@@ -9374,18 +10513,107 @@
         </p:nvGrpSpPr>
         <p:grpSpPr>
           <a:xfrm>
-            <a:off x="2630760" y="1354712"/>
-            <a:ext cx="6854281" cy="5350888"/>
-            <a:chOff x="2630760" y="1354712"/>
-            <a:chExt cx="6854281" cy="5350888"/>
+            <a:off x="2630760" y="1218978"/>
+            <a:ext cx="7023820" cy="5458610"/>
+            <a:chOff x="2630760" y="1218978"/>
+            <a:chExt cx="7023820" cy="5458610"/>
           </a:xfrm>
         </p:grpSpPr>
+        <p:pic>
+          <p:nvPicPr>
+            <p:cNvPr id="27" name="Picture 26">
+              <a:extLst>
+                <a:ext uri="{FF2B5EF4-FFF2-40B4-BE49-F238E27FC236}">
+                  <a16:creationId xmlns:a16="http://schemas.microsoft.com/office/drawing/2014/main" id="{B6C87C85-039F-49A1-9620-219F807C05EC}"/>
+                </a:ext>
+              </a:extLst>
+            </p:cNvPr>
+            <p:cNvPicPr>
+              <a:picLocks noChangeAspect="1"/>
+            </p:cNvPicPr>
+            <p:nvPr/>
+          </p:nvPicPr>
+          <p:blipFill rotWithShape="1">
+            <a:blip r:embed="rId2"/>
+            <a:srcRect b="30404"/>
+            <a:stretch/>
+          </p:blipFill>
+          <p:spPr>
+            <a:xfrm>
+              <a:off x="2630760" y="1218978"/>
+              <a:ext cx="6981825" cy="4600575"/>
+            </a:xfrm>
+            <a:prstGeom prst="rect">
+              <a:avLst/>
+            </a:prstGeom>
+          </p:spPr>
+        </p:pic>
+        <p:pic>
+          <p:nvPicPr>
+            <p:cNvPr id="29" name="Picture 28">
+              <a:extLst>
+                <a:ext uri="{FF2B5EF4-FFF2-40B4-BE49-F238E27FC236}">
+                  <a16:creationId xmlns:a16="http://schemas.microsoft.com/office/drawing/2014/main" id="{7364E152-8BBB-4D9E-96C4-876253DDB29C}"/>
+                </a:ext>
+              </a:extLst>
+            </p:cNvPr>
+            <p:cNvPicPr>
+              <a:picLocks noChangeAspect="1"/>
+            </p:cNvPicPr>
+            <p:nvPr/>
+          </p:nvPicPr>
+          <p:blipFill>
+            <a:blip r:embed="rId3"/>
+            <a:stretch>
+              <a:fillRect/>
+            </a:stretch>
+          </p:blipFill>
+          <p:spPr>
+            <a:xfrm>
+              <a:off x="7848600" y="4236566"/>
+              <a:ext cx="1600200" cy="307732"/>
+            </a:xfrm>
+            <a:prstGeom prst="rect">
+              <a:avLst/>
+            </a:prstGeom>
+          </p:spPr>
+        </p:pic>
+        <p:pic>
+          <p:nvPicPr>
+            <p:cNvPr id="30" name="Picture 29">
+              <a:extLst>
+                <a:ext uri="{FF2B5EF4-FFF2-40B4-BE49-F238E27FC236}">
+                  <a16:creationId xmlns:a16="http://schemas.microsoft.com/office/drawing/2014/main" id="{7D1DBB84-BFAA-4EEB-A650-3909434EEC20}"/>
+                </a:ext>
+              </a:extLst>
+            </p:cNvPr>
+            <p:cNvPicPr>
+              <a:picLocks noChangeAspect="1"/>
+            </p:cNvPicPr>
+            <p:nvPr/>
+          </p:nvPicPr>
+          <p:blipFill>
+            <a:blip r:embed="rId4"/>
+            <a:stretch>
+              <a:fillRect/>
+            </a:stretch>
+          </p:blipFill>
+          <p:spPr>
+            <a:xfrm>
+              <a:off x="2672755" y="4610663"/>
+              <a:ext cx="6981825" cy="2066925"/>
+            </a:xfrm>
+            <a:prstGeom prst="rect">
+              <a:avLst/>
+            </a:prstGeom>
+          </p:spPr>
+        </p:pic>
         <p:sp>
           <p:nvSpPr>
-            <p:cNvPr id="9" name="object 5">
+            <p:cNvPr id="31" name="object 5">
               <a:extLst>
                 <a:ext uri="{FF2B5EF4-FFF2-40B4-BE49-F238E27FC236}">
-                  <a16:creationId xmlns:a16="http://schemas.microsoft.com/office/drawing/2014/main" id="{C86CC380-6F65-473C-8527-238DD8B8DDFE}"/>
+                  <a16:creationId xmlns:a16="http://schemas.microsoft.com/office/drawing/2014/main" id="{5A809FDD-2BAC-4A66-AB77-850CE5F63B42}"/>
                 </a:ext>
               </a:extLst>
             </p:cNvPr>
@@ -9394,7 +10622,7 @@
           </p:nvSpPr>
           <p:spPr>
             <a:xfrm>
-              <a:off x="2630760" y="1354712"/>
+              <a:off x="2683436" y="1296370"/>
               <a:ext cx="6854281" cy="5350888"/>
             </a:xfrm>
             <a:custGeom>
@@ -9438,41 +10666,12 @@
             </a:p>
           </p:txBody>
         </p:sp>
-        <p:pic>
-          <p:nvPicPr>
-            <p:cNvPr id="10" name="Picture 9">
+        <p:sp>
+          <p:nvSpPr>
+            <p:cNvPr id="28" name="object 6">
               <a:extLst>
                 <a:ext uri="{FF2B5EF4-FFF2-40B4-BE49-F238E27FC236}">
-                  <a16:creationId xmlns:a16="http://schemas.microsoft.com/office/drawing/2014/main" id="{C8DFB802-C3D1-4B16-A21F-A16F96860ADC}"/>
-                </a:ext>
-              </a:extLst>
-            </p:cNvPr>
-            <p:cNvPicPr>
-              <a:picLocks noChangeAspect="1"/>
-            </p:cNvPicPr>
-            <p:nvPr/>
-          </p:nvPicPr>
-          <p:blipFill rotWithShape="1">
-            <a:blip r:embed="rId2"/>
-            <a:srcRect l="-1198" b="20582"/>
-            <a:stretch/>
-          </p:blipFill>
-          <p:spPr>
-            <a:xfrm>
-              <a:off x="2706959" y="1411438"/>
-              <a:ext cx="6437745" cy="5217962"/>
-            </a:xfrm>
-            <a:prstGeom prst="rect">
-              <a:avLst/>
-            </a:prstGeom>
-          </p:spPr>
-        </p:pic>
-        <p:sp>
-          <p:nvSpPr>
-            <p:cNvPr id="11" name="object 6">
-              <a:extLst>
-                <a:ext uri="{FF2B5EF4-FFF2-40B4-BE49-F238E27FC236}">
-                  <a16:creationId xmlns:a16="http://schemas.microsoft.com/office/drawing/2014/main" id="{9C88CA92-49F5-48C0-8560-642ABEFF41A8}"/>
+                  <a16:creationId xmlns:a16="http://schemas.microsoft.com/office/drawing/2014/main" id="{AD3B1B4F-DFF9-48D5-A407-13051FE3DDD0}"/>
                 </a:ext>
               </a:extLst>
             </p:cNvPr>
@@ -9481,8 +10680,8 @@
           </p:nvSpPr>
           <p:spPr>
             <a:xfrm>
-              <a:off x="2895600" y="4572000"/>
-              <a:ext cx="6019800" cy="381000"/>
+              <a:off x="2743200" y="4724400"/>
+              <a:ext cx="4876800" cy="381000"/>
             </a:xfrm>
             <a:custGeom>
               <a:avLst/>
@@ -9525,36 +10724,6 @@
             </a:p>
           </p:txBody>
         </p:sp>
-        <p:pic>
-          <p:nvPicPr>
-            <p:cNvPr id="12" name="Picture 11">
-              <a:extLst>
-                <a:ext uri="{FF2B5EF4-FFF2-40B4-BE49-F238E27FC236}">
-                  <a16:creationId xmlns:a16="http://schemas.microsoft.com/office/drawing/2014/main" id="{19F40322-A214-45A6-ABAA-F6562DA06950}"/>
-                </a:ext>
-              </a:extLst>
-            </p:cNvPr>
-            <p:cNvPicPr>
-              <a:picLocks noChangeAspect="1"/>
-            </p:cNvPicPr>
-            <p:nvPr/>
-          </p:nvPicPr>
-          <p:blipFill>
-            <a:blip r:embed="rId3"/>
-            <a:stretch>
-              <a:fillRect/>
-            </a:stretch>
-          </p:blipFill>
-          <p:spPr>
-            <a:xfrm>
-              <a:off x="7446010" y="3911600"/>
-              <a:ext cx="1600200" cy="307732"/>
-            </a:xfrm>
-            <a:prstGeom prst="rect">
-              <a:avLst/>
-            </a:prstGeom>
-          </p:spPr>
-        </p:pic>
       </p:grpSp>
     </p:spTree>
     <p:extLst>
@@ -9599,7 +10768,7 @@
         <p:spPr>
           <a:xfrm>
             <a:off x="635000" y="692911"/>
-            <a:ext cx="5227955" cy="574040"/>
+            <a:ext cx="9194800" cy="566822"/>
           </a:xfrm>
           <a:prstGeom prst="rect">
             <a:avLst/>
@@ -9620,45 +10789,18 @@
               </a:spcBef>
             </a:pPr>
             <a:r>
-              <a:rPr spc="35" dirty="0">
+              <a:rPr lang="en-US" spc="35" dirty="0">
                 <a:solidFill>
                   <a:srgbClr val="0070BB"/>
                 </a:solidFill>
               </a:rPr>
-              <a:t>Download </a:t>
-            </a:r>
-            <a:r>
-              <a:rPr spc="-240" dirty="0">
-                <a:solidFill>
-                  <a:srgbClr val="0070BB"/>
-                </a:solidFill>
-              </a:rPr>
-              <a:t>VA </a:t>
-            </a:r>
-            <a:r>
-              <a:rPr spc="-25" dirty="0">
-                <a:solidFill>
-                  <a:srgbClr val="0070BB"/>
-                </a:solidFill>
-              </a:rPr>
-              <a:t>Form</a:t>
-            </a:r>
-            <a:r>
-              <a:rPr spc="-735" dirty="0">
-                <a:solidFill>
-                  <a:srgbClr val="0070BB"/>
-                </a:solidFill>
-              </a:rPr>
-              <a:t> </a:t>
-            </a:r>
-            <a:r>
-              <a:rPr spc="-250" dirty="0">
-                <a:solidFill>
-                  <a:srgbClr val="0070BB"/>
-                </a:solidFill>
-              </a:rPr>
-              <a:t>PDFs</a:t>
-            </a:r>
+              <a:t>Access Online Tools Where Available</a:t>
+            </a:r>
+            <a:endParaRPr spc="-250" dirty="0">
+              <a:solidFill>
+                <a:srgbClr val="0070BB"/>
+              </a:solidFill>
+            </a:endParaRPr>
           </a:p>
         </p:txBody>
       </p:sp>
@@ -9810,10 +10952,10 @@
       </p:sp>
       <p:grpSp>
         <p:nvGrpSpPr>
-          <p:cNvPr id="10" name="Group 9">
+          <p:cNvPr id="15" name="Group 14">
             <a:extLst>
               <a:ext uri="{FF2B5EF4-FFF2-40B4-BE49-F238E27FC236}">
-                <a16:creationId xmlns:a16="http://schemas.microsoft.com/office/drawing/2014/main" id="{4EAE8BFE-11F4-4E8C-BA7B-F8B228EC72EF}"/>
+                <a16:creationId xmlns:a16="http://schemas.microsoft.com/office/drawing/2014/main" id="{D08E570F-E05B-4582-9785-9E3D73A51677}"/>
               </a:ext>
             </a:extLst>
           </p:cNvPr>
@@ -9822,18 +10964,107 @@
         </p:nvGrpSpPr>
         <p:grpSpPr>
           <a:xfrm>
-            <a:off x="2630760" y="1354712"/>
-            <a:ext cx="6854281" cy="5350888"/>
-            <a:chOff x="2630760" y="1354712"/>
-            <a:chExt cx="6854281" cy="5350888"/>
+            <a:off x="2630760" y="1218978"/>
+            <a:ext cx="7023820" cy="5458610"/>
+            <a:chOff x="2630760" y="1218978"/>
+            <a:chExt cx="7023820" cy="5458610"/>
           </a:xfrm>
         </p:grpSpPr>
+        <p:pic>
+          <p:nvPicPr>
+            <p:cNvPr id="16" name="Picture 15">
+              <a:extLst>
+                <a:ext uri="{FF2B5EF4-FFF2-40B4-BE49-F238E27FC236}">
+                  <a16:creationId xmlns:a16="http://schemas.microsoft.com/office/drawing/2014/main" id="{5A34E84D-BDD6-4A26-9D02-F13B2A06D4AD}"/>
+                </a:ext>
+              </a:extLst>
+            </p:cNvPr>
+            <p:cNvPicPr>
+              <a:picLocks noChangeAspect="1"/>
+            </p:cNvPicPr>
+            <p:nvPr/>
+          </p:nvPicPr>
+          <p:blipFill rotWithShape="1">
+            <a:blip r:embed="rId2"/>
+            <a:srcRect b="30404"/>
+            <a:stretch/>
+          </p:blipFill>
+          <p:spPr>
+            <a:xfrm>
+              <a:off x="2630760" y="1218978"/>
+              <a:ext cx="6981825" cy="4600575"/>
+            </a:xfrm>
+            <a:prstGeom prst="rect">
+              <a:avLst/>
+            </a:prstGeom>
+          </p:spPr>
+        </p:pic>
+        <p:pic>
+          <p:nvPicPr>
+            <p:cNvPr id="17" name="Picture 16">
+              <a:extLst>
+                <a:ext uri="{FF2B5EF4-FFF2-40B4-BE49-F238E27FC236}">
+                  <a16:creationId xmlns:a16="http://schemas.microsoft.com/office/drawing/2014/main" id="{22C76A77-3EE6-416F-848A-47510470DF83}"/>
+                </a:ext>
+              </a:extLst>
+            </p:cNvPr>
+            <p:cNvPicPr>
+              <a:picLocks noChangeAspect="1"/>
+            </p:cNvPicPr>
+            <p:nvPr/>
+          </p:nvPicPr>
+          <p:blipFill>
+            <a:blip r:embed="rId3"/>
+            <a:stretch>
+              <a:fillRect/>
+            </a:stretch>
+          </p:blipFill>
+          <p:spPr>
+            <a:xfrm>
+              <a:off x="7848600" y="4236566"/>
+              <a:ext cx="1600200" cy="307732"/>
+            </a:xfrm>
+            <a:prstGeom prst="rect">
+              <a:avLst/>
+            </a:prstGeom>
+          </p:spPr>
+        </p:pic>
+        <p:pic>
+          <p:nvPicPr>
+            <p:cNvPr id="18" name="Picture 17">
+              <a:extLst>
+                <a:ext uri="{FF2B5EF4-FFF2-40B4-BE49-F238E27FC236}">
+                  <a16:creationId xmlns:a16="http://schemas.microsoft.com/office/drawing/2014/main" id="{F8768865-4B91-4117-893A-1FB091B596A6}"/>
+                </a:ext>
+              </a:extLst>
+            </p:cNvPr>
+            <p:cNvPicPr>
+              <a:picLocks noChangeAspect="1"/>
+            </p:cNvPicPr>
+            <p:nvPr/>
+          </p:nvPicPr>
+          <p:blipFill>
+            <a:blip r:embed="rId4"/>
+            <a:stretch>
+              <a:fillRect/>
+            </a:stretch>
+          </p:blipFill>
+          <p:spPr>
+            <a:xfrm>
+              <a:off x="2672755" y="4610663"/>
+              <a:ext cx="6981825" cy="2066925"/>
+            </a:xfrm>
+            <a:prstGeom prst="rect">
+              <a:avLst/>
+            </a:prstGeom>
+          </p:spPr>
+        </p:pic>
         <p:sp>
           <p:nvSpPr>
-            <p:cNvPr id="11" name="object 5">
+            <p:cNvPr id="19" name="object 5">
               <a:extLst>
                 <a:ext uri="{FF2B5EF4-FFF2-40B4-BE49-F238E27FC236}">
-                  <a16:creationId xmlns:a16="http://schemas.microsoft.com/office/drawing/2014/main" id="{93729A97-826B-45C7-9D96-C8CE35D7673D}"/>
+                  <a16:creationId xmlns:a16="http://schemas.microsoft.com/office/drawing/2014/main" id="{93B9474A-E852-46A8-B2E9-4E2DF87E0684}"/>
                 </a:ext>
               </a:extLst>
             </p:cNvPr>
@@ -9842,7 +11073,7 @@
           </p:nvSpPr>
           <p:spPr>
             <a:xfrm>
-              <a:off x="2630760" y="1354712"/>
+              <a:off x="2683436" y="1296370"/>
               <a:ext cx="6854281" cy="5350888"/>
             </a:xfrm>
             <a:custGeom>
@@ -9886,41 +11117,12 @@
             </a:p>
           </p:txBody>
         </p:sp>
-        <p:pic>
-          <p:nvPicPr>
-            <p:cNvPr id="12" name="Picture 11">
+        <p:sp>
+          <p:nvSpPr>
+            <p:cNvPr id="20" name="object 6">
               <a:extLst>
                 <a:ext uri="{FF2B5EF4-FFF2-40B4-BE49-F238E27FC236}">
-                  <a16:creationId xmlns:a16="http://schemas.microsoft.com/office/drawing/2014/main" id="{09116069-4010-4698-8A51-94315141CE5E}"/>
-                </a:ext>
-              </a:extLst>
-            </p:cNvPr>
-            <p:cNvPicPr>
-              <a:picLocks noChangeAspect="1"/>
-            </p:cNvPicPr>
-            <p:nvPr/>
-          </p:nvPicPr>
-          <p:blipFill rotWithShape="1">
-            <a:blip r:embed="rId2"/>
-            <a:srcRect l="-1198" b="20582"/>
-            <a:stretch/>
-          </p:blipFill>
-          <p:spPr>
-            <a:xfrm>
-              <a:off x="2706959" y="1411438"/>
-              <a:ext cx="6437745" cy="5217962"/>
-            </a:xfrm>
-            <a:prstGeom prst="rect">
-              <a:avLst/>
-            </a:prstGeom>
-          </p:spPr>
-        </p:pic>
-        <p:sp>
-          <p:nvSpPr>
-            <p:cNvPr id="13" name="object 6">
-              <a:extLst>
-                <a:ext uri="{FF2B5EF4-FFF2-40B4-BE49-F238E27FC236}">
-                  <a16:creationId xmlns:a16="http://schemas.microsoft.com/office/drawing/2014/main" id="{713744EE-E60B-4F8A-811F-A048A3245CFA}"/>
+                  <a16:creationId xmlns:a16="http://schemas.microsoft.com/office/drawing/2014/main" id="{10D07D6C-D4FE-45E1-A45B-CBC04E93A998}"/>
                 </a:ext>
               </a:extLst>
             </p:cNvPr>
@@ -9929,8 +11131,8 @@
           </p:nvSpPr>
           <p:spPr>
             <a:xfrm>
-              <a:off x="2819400" y="5294813"/>
-              <a:ext cx="2209800" cy="208475"/>
+              <a:off x="2775528" y="6038272"/>
+              <a:ext cx="1625600" cy="439621"/>
             </a:xfrm>
             <a:custGeom>
               <a:avLst/>
@@ -9973,38 +11175,13 @@
             </a:p>
           </p:txBody>
         </p:sp>
-        <p:pic>
-          <p:nvPicPr>
-            <p:cNvPr id="14" name="Picture 13">
-              <a:extLst>
-                <a:ext uri="{FF2B5EF4-FFF2-40B4-BE49-F238E27FC236}">
-                  <a16:creationId xmlns:a16="http://schemas.microsoft.com/office/drawing/2014/main" id="{35E5951E-A671-4DA2-AA29-467399864D95}"/>
-                </a:ext>
-              </a:extLst>
-            </p:cNvPr>
-            <p:cNvPicPr>
-              <a:picLocks noChangeAspect="1"/>
-            </p:cNvPicPr>
-            <p:nvPr/>
-          </p:nvPicPr>
-          <p:blipFill>
-            <a:blip r:embed="rId3"/>
-            <a:stretch>
-              <a:fillRect/>
-            </a:stretch>
-          </p:blipFill>
-          <p:spPr>
-            <a:xfrm>
-              <a:off x="7446010" y="3911600"/>
-              <a:ext cx="1600200" cy="307732"/>
-            </a:xfrm>
-            <a:prstGeom prst="rect">
-              <a:avLst/>
-            </a:prstGeom>
-          </p:spPr>
-        </p:pic>
       </p:grpSp>
     </p:spTree>
+    <p:extLst>
+      <p:ext uri="{BB962C8B-B14F-4D97-AF65-F5344CB8AC3E}">
+        <p14:creationId xmlns:p14="http://schemas.microsoft.com/office/powerpoint/2010/main" val="2737972825"/>
+      </p:ext>
+    </p:extLst>
   </p:cSld>
   <p:clrMapOvr>
     <a:masterClrMapping/>
@@ -10032,87 +11209,6 @@
       <p:sp>
         <p:nvSpPr>
           <p:cNvPr id="2" name="object 2"/>
-          <p:cNvSpPr/>
-          <p:nvPr/>
-        </p:nvSpPr>
-        <p:spPr>
-          <a:xfrm>
-            <a:off x="2780146" y="2198498"/>
-            <a:ext cx="6179671" cy="2960084"/>
-          </a:xfrm>
-          <a:prstGeom prst="rect">
-            <a:avLst/>
-          </a:prstGeom>
-          <a:blipFill>
-            <a:blip r:embed="rId2" cstate="print"/>
-            <a:stretch>
-              <a:fillRect/>
-            </a:stretch>
-          </a:blipFill>
-        </p:spPr>
-        <p:txBody>
-          <a:bodyPr wrap="square" lIns="0" tIns="0" rIns="0" bIns="0" rtlCol="0"/>
-          <a:lstStyle/>
-          <a:p>
-            <a:endParaRPr dirty="0"/>
-          </a:p>
-        </p:txBody>
-      </p:sp>
-      <p:sp>
-        <p:nvSpPr>
-          <p:cNvPr id="3" name="object 3"/>
-          <p:cNvSpPr/>
-          <p:nvPr/>
-        </p:nvSpPr>
-        <p:spPr>
-          <a:xfrm>
-            <a:off x="2634637" y="2123362"/>
-            <a:ext cx="6642734" cy="3194050"/>
-          </a:xfrm>
-          <a:custGeom>
-            <a:avLst/>
-            <a:gdLst/>
-            <a:ahLst/>
-            <a:cxnLst/>
-            <a:rect l="l" t="t" r="r" b="b"/>
-            <a:pathLst>
-              <a:path w="6642734" h="3194050">
-                <a:moveTo>
-                  <a:pt x="0" y="0"/>
-                </a:moveTo>
-                <a:lnTo>
-                  <a:pt x="6642225" y="0"/>
-                </a:lnTo>
-                <a:lnTo>
-                  <a:pt x="6642225" y="3193924"/>
-                </a:lnTo>
-                <a:lnTo>
-                  <a:pt x="0" y="3193924"/>
-                </a:lnTo>
-                <a:lnTo>
-                  <a:pt x="0" y="0"/>
-                </a:lnTo>
-                <a:close/>
-              </a:path>
-            </a:pathLst>
-          </a:custGeom>
-          <a:ln w="9524">
-            <a:solidFill>
-              <a:srgbClr val="CCCCCC"/>
-            </a:solidFill>
-          </a:ln>
-        </p:spPr>
-        <p:txBody>
-          <a:bodyPr wrap="square" lIns="0" tIns="0" rIns="0" bIns="0" rtlCol="0"/>
-          <a:lstStyle/>
-          <a:p>
-            <a:endParaRPr dirty="0"/>
-          </a:p>
-        </p:txBody>
-      </p:sp>
-      <p:sp>
-        <p:nvSpPr>
-          <p:cNvPr id="4" name="object 4"/>
           <p:cNvSpPr txBox="1">
             <a:spLocks noGrp="1"/>
           </p:cNvSpPr>
@@ -10122,8 +11218,8 @@
         </p:nvSpPr>
         <p:spPr>
           <a:xfrm>
-            <a:off x="634999" y="693928"/>
-            <a:ext cx="9499601" cy="536044"/>
+            <a:off x="635000" y="692911"/>
+            <a:ext cx="5227955" cy="574040"/>
           </a:xfrm>
           <a:prstGeom prst="rect">
             <a:avLst/>
@@ -10144,140 +11240,51 @@
               </a:spcBef>
             </a:pPr>
             <a:r>
-              <a:rPr sz="3400" spc="60" dirty="0">
+              <a:rPr spc="35" dirty="0">
                 <a:solidFill>
                   <a:srgbClr val="0070BB"/>
                 </a:solidFill>
               </a:rPr>
-              <a:t>No</a:t>
-            </a:r>
-            <a:r>
-              <a:rPr sz="3400" spc="-270" dirty="0">
+              <a:t>Download </a:t>
+            </a:r>
+            <a:r>
+              <a:rPr spc="-240" dirty="0">
                 <a:solidFill>
                   <a:srgbClr val="0070BB"/>
                 </a:solidFill>
               </a:rPr>
-              <a:t> </a:t>
-            </a:r>
-            <a:r>
-              <a:rPr sz="3400" spc="-35" dirty="0">
+              <a:t>VA </a:t>
+            </a:r>
+            <a:r>
+              <a:rPr spc="-25" dirty="0">
                 <a:solidFill>
                   <a:srgbClr val="0070BB"/>
                 </a:solidFill>
               </a:rPr>
-              <a:t>Results</a:t>
-            </a:r>
-            <a:r>
-              <a:rPr lang="en-US" sz="3400" spc="-35" dirty="0">
+              <a:t>Form</a:t>
+            </a:r>
+            <a:r>
+              <a:rPr spc="-735" dirty="0">
                 <a:solidFill>
                   <a:srgbClr val="0070BB"/>
                 </a:solidFill>
               </a:rPr>
-              <a:t>? F</a:t>
-            </a:r>
-            <a:r>
-              <a:rPr sz="3400" spc="40" dirty="0">
+              <a:t> </a:t>
+            </a:r>
+            <a:r>
+              <a:rPr spc="-250" dirty="0">
                 <a:solidFill>
                   <a:srgbClr val="0070BB"/>
                 </a:solidFill>
               </a:rPr>
-              <a:t>ind</a:t>
-            </a:r>
-            <a:r>
-              <a:rPr sz="3400" spc="-265" dirty="0">
-                <a:solidFill>
-                  <a:srgbClr val="0070BB"/>
-                </a:solidFill>
-              </a:rPr>
-              <a:t> </a:t>
-            </a:r>
-            <a:r>
-              <a:rPr lang="en-US" sz="3400" spc="135" dirty="0">
-                <a:solidFill>
-                  <a:srgbClr val="0070BB"/>
-                </a:solidFill>
-              </a:rPr>
-              <a:t>M</a:t>
-            </a:r>
-            <a:r>
-              <a:rPr sz="3400" spc="135" dirty="0">
-                <a:solidFill>
-                  <a:srgbClr val="0070BB"/>
-                </a:solidFill>
-              </a:rPr>
-              <a:t>ore</a:t>
-            </a:r>
-            <a:r>
-              <a:rPr sz="3400" spc="-265" dirty="0">
-                <a:solidFill>
-                  <a:srgbClr val="0070BB"/>
-                </a:solidFill>
-              </a:rPr>
-              <a:t> </a:t>
-            </a:r>
-            <a:r>
-              <a:rPr lang="en-US" sz="3400" spc="120" dirty="0">
-                <a:solidFill>
-                  <a:srgbClr val="0070BB"/>
-                </a:solidFill>
-              </a:rPr>
-              <a:t>in</a:t>
-            </a:r>
-            <a:r>
-              <a:rPr sz="3400" spc="-265" dirty="0">
-                <a:solidFill>
-                  <a:srgbClr val="0070BB"/>
-                </a:solidFill>
-              </a:rPr>
-              <a:t> </a:t>
-            </a:r>
-            <a:r>
-              <a:rPr sz="3400" spc="-140" dirty="0">
-                <a:solidFill>
-                  <a:srgbClr val="0070BB"/>
-                </a:solidFill>
-              </a:rPr>
-              <a:t>GSA</a:t>
-            </a:r>
-            <a:r>
-              <a:rPr sz="3400" spc="-265" dirty="0">
-                <a:solidFill>
-                  <a:srgbClr val="0070BB"/>
-                </a:solidFill>
-              </a:rPr>
-              <a:t> </a:t>
-            </a:r>
-            <a:r>
-              <a:rPr sz="3400" spc="-10" dirty="0">
-                <a:solidFill>
-                  <a:srgbClr val="0070BB"/>
-                </a:solidFill>
-              </a:rPr>
-              <a:t>Forms</a:t>
-            </a:r>
-            <a:r>
-              <a:rPr sz="3400" spc="-270" dirty="0">
-                <a:solidFill>
-                  <a:srgbClr val="0070BB"/>
-                </a:solidFill>
-              </a:rPr>
-              <a:t> </a:t>
-            </a:r>
-            <a:r>
-              <a:rPr sz="3400" spc="-85" dirty="0">
-                <a:solidFill>
-                  <a:srgbClr val="0070BB"/>
-                </a:solidFill>
-              </a:rPr>
-              <a:t>Library</a:t>
-            </a:r>
-            <a:endParaRPr sz="3400" dirty="0"/>
+              <a:t>PDFs</a:t>
+            </a:r>
           </a:p>
         </p:txBody>
       </p:sp>
       <p:sp>
         <p:nvSpPr>
-          <p:cNvPr id="5" name="object 5"/>
+          <p:cNvPr id="3" name="object 3"/>
           <p:cNvSpPr txBox="1"/>
           <p:nvPr/>
         </p:nvSpPr>
@@ -10421,58 +11428,232 @@
           </a:p>
         </p:txBody>
       </p:sp>
-      <p:sp>
-        <p:nvSpPr>
-          <p:cNvPr id="6" name="object 6"/>
-          <p:cNvSpPr/>
+      <p:grpSp>
+        <p:nvGrpSpPr>
+          <p:cNvPr id="15" name="Group 14">
+            <a:extLst>
+              <a:ext uri="{FF2B5EF4-FFF2-40B4-BE49-F238E27FC236}">
+                <a16:creationId xmlns:a16="http://schemas.microsoft.com/office/drawing/2014/main" id="{3737CA4E-55E3-43CE-B33C-4B9454431C99}"/>
+              </a:ext>
+            </a:extLst>
+          </p:cNvPr>
+          <p:cNvGrpSpPr/>
           <p:nvPr/>
-        </p:nvSpPr>
-        <p:spPr>
+        </p:nvGrpSpPr>
+        <p:grpSpPr>
           <a:xfrm>
-            <a:off x="2729700" y="4736550"/>
-            <a:ext cx="5913120" cy="453390"/>
+            <a:off x="2630760" y="1218978"/>
+            <a:ext cx="7023820" cy="5458610"/>
+            <a:chOff x="2630760" y="1218978"/>
+            <a:chExt cx="7023820" cy="5458610"/>
           </a:xfrm>
-          <a:custGeom>
-            <a:avLst/>
-            <a:gdLst/>
-            <a:ahLst/>
-            <a:cxnLst/>
-            <a:rect l="l" t="t" r="r" b="b"/>
-            <a:pathLst>
-              <a:path w="5913120" h="453389">
-                <a:moveTo>
-                  <a:pt x="0" y="0"/>
-                </a:moveTo>
-                <a:lnTo>
-                  <a:pt x="5912699" y="0"/>
-                </a:lnTo>
-                <a:lnTo>
-                  <a:pt x="5912699" y="452999"/>
-                </a:lnTo>
-                <a:lnTo>
-                  <a:pt x="0" y="452999"/>
-                </a:lnTo>
-                <a:lnTo>
-                  <a:pt x="0" y="0"/>
-                </a:lnTo>
-                <a:close/>
-              </a:path>
-            </a:pathLst>
-          </a:custGeom>
-          <a:ln w="38099">
-            <a:solidFill>
-              <a:srgbClr val="FF0000"/>
-            </a:solidFill>
-          </a:ln>
-        </p:spPr>
-        <p:txBody>
-          <a:bodyPr wrap="square" lIns="0" tIns="0" rIns="0" bIns="0" rtlCol="0"/>
-          <a:lstStyle/>
-          <a:p>
-            <a:endParaRPr dirty="0"/>
-          </a:p>
-        </p:txBody>
-      </p:sp>
+        </p:grpSpPr>
+        <p:pic>
+          <p:nvPicPr>
+            <p:cNvPr id="16" name="Picture 15">
+              <a:extLst>
+                <a:ext uri="{FF2B5EF4-FFF2-40B4-BE49-F238E27FC236}">
+                  <a16:creationId xmlns:a16="http://schemas.microsoft.com/office/drawing/2014/main" id="{78300B7D-E4D0-4A3E-A9D8-E8934EE1E555}"/>
+                </a:ext>
+              </a:extLst>
+            </p:cNvPr>
+            <p:cNvPicPr>
+              <a:picLocks noChangeAspect="1"/>
+            </p:cNvPicPr>
+            <p:nvPr/>
+          </p:nvPicPr>
+          <p:blipFill rotWithShape="1">
+            <a:blip r:embed="rId2"/>
+            <a:srcRect b="30404"/>
+            <a:stretch/>
+          </p:blipFill>
+          <p:spPr>
+            <a:xfrm>
+              <a:off x="2630760" y="1218978"/>
+              <a:ext cx="6981825" cy="4600575"/>
+            </a:xfrm>
+            <a:prstGeom prst="rect">
+              <a:avLst/>
+            </a:prstGeom>
+          </p:spPr>
+        </p:pic>
+        <p:pic>
+          <p:nvPicPr>
+            <p:cNvPr id="17" name="Picture 16">
+              <a:extLst>
+                <a:ext uri="{FF2B5EF4-FFF2-40B4-BE49-F238E27FC236}">
+                  <a16:creationId xmlns:a16="http://schemas.microsoft.com/office/drawing/2014/main" id="{1043781F-9DF6-43DA-A08B-60A8C311AE9E}"/>
+                </a:ext>
+              </a:extLst>
+            </p:cNvPr>
+            <p:cNvPicPr>
+              <a:picLocks noChangeAspect="1"/>
+            </p:cNvPicPr>
+            <p:nvPr/>
+          </p:nvPicPr>
+          <p:blipFill>
+            <a:blip r:embed="rId3"/>
+            <a:stretch>
+              <a:fillRect/>
+            </a:stretch>
+          </p:blipFill>
+          <p:spPr>
+            <a:xfrm>
+              <a:off x="7848600" y="4236566"/>
+              <a:ext cx="1600200" cy="307732"/>
+            </a:xfrm>
+            <a:prstGeom prst="rect">
+              <a:avLst/>
+            </a:prstGeom>
+          </p:spPr>
+        </p:pic>
+        <p:pic>
+          <p:nvPicPr>
+            <p:cNvPr id="18" name="Picture 17">
+              <a:extLst>
+                <a:ext uri="{FF2B5EF4-FFF2-40B4-BE49-F238E27FC236}">
+                  <a16:creationId xmlns:a16="http://schemas.microsoft.com/office/drawing/2014/main" id="{65074838-9E14-4E0F-83E2-F263BA1F09B9}"/>
+                </a:ext>
+              </a:extLst>
+            </p:cNvPr>
+            <p:cNvPicPr>
+              <a:picLocks noChangeAspect="1"/>
+            </p:cNvPicPr>
+            <p:nvPr/>
+          </p:nvPicPr>
+          <p:blipFill>
+            <a:blip r:embed="rId4"/>
+            <a:stretch>
+              <a:fillRect/>
+            </a:stretch>
+          </p:blipFill>
+          <p:spPr>
+            <a:xfrm>
+              <a:off x="2672755" y="4610663"/>
+              <a:ext cx="6981825" cy="2066925"/>
+            </a:xfrm>
+            <a:prstGeom prst="rect">
+              <a:avLst/>
+            </a:prstGeom>
+          </p:spPr>
+        </p:pic>
+        <p:sp>
+          <p:nvSpPr>
+            <p:cNvPr id="19" name="object 5">
+              <a:extLst>
+                <a:ext uri="{FF2B5EF4-FFF2-40B4-BE49-F238E27FC236}">
+                  <a16:creationId xmlns:a16="http://schemas.microsoft.com/office/drawing/2014/main" id="{547214D5-71E7-43CB-819E-8671A2FC4FB4}"/>
+                </a:ext>
+              </a:extLst>
+            </p:cNvPr>
+            <p:cNvSpPr/>
+            <p:nvPr/>
+          </p:nvSpPr>
+          <p:spPr>
+            <a:xfrm>
+              <a:off x="2683436" y="1296370"/>
+              <a:ext cx="6854281" cy="5350888"/>
+            </a:xfrm>
+            <a:custGeom>
+              <a:avLst/>
+              <a:gdLst/>
+              <a:ahLst/>
+              <a:cxnLst/>
+              <a:rect l="l" t="t" r="r" b="b"/>
+              <a:pathLst>
+                <a:path w="5101590" h="5055235">
+                  <a:moveTo>
+                    <a:pt x="0" y="0"/>
+                  </a:moveTo>
+                  <a:lnTo>
+                    <a:pt x="5101498" y="0"/>
+                  </a:lnTo>
+                  <a:lnTo>
+                    <a:pt x="5101498" y="5054902"/>
+                  </a:lnTo>
+                  <a:lnTo>
+                    <a:pt x="0" y="5054902"/>
+                  </a:lnTo>
+                  <a:lnTo>
+                    <a:pt x="0" y="0"/>
+                  </a:lnTo>
+                  <a:close/>
+                </a:path>
+              </a:pathLst>
+            </a:custGeom>
+            <a:ln w="9524">
+              <a:solidFill>
+                <a:srgbClr val="CCCCCC"/>
+              </a:solidFill>
+            </a:ln>
+          </p:spPr>
+          <p:txBody>
+            <a:bodyPr wrap="square" lIns="0" tIns="0" rIns="0" bIns="0" rtlCol="0"/>
+            <a:lstStyle/>
+            <a:p>
+              <a:endParaRPr dirty="0"/>
+            </a:p>
+          </p:txBody>
+        </p:sp>
+        <p:sp>
+          <p:nvSpPr>
+            <p:cNvPr id="20" name="object 6">
+              <a:extLst>
+                <a:ext uri="{FF2B5EF4-FFF2-40B4-BE49-F238E27FC236}">
+                  <a16:creationId xmlns:a16="http://schemas.microsoft.com/office/drawing/2014/main" id="{0F64ADFC-E0E4-48D3-8283-2C94471C12B9}"/>
+                </a:ext>
+              </a:extLst>
+            </p:cNvPr>
+            <p:cNvSpPr/>
+            <p:nvPr/>
+          </p:nvSpPr>
+          <p:spPr>
+            <a:xfrm>
+              <a:off x="2761672" y="5705846"/>
+              <a:ext cx="2275064" cy="286251"/>
+            </a:xfrm>
+            <a:custGeom>
+              <a:avLst/>
+              <a:gdLst/>
+              <a:ahLst/>
+              <a:cxnLst/>
+              <a:rect l="l" t="t" r="r" b="b"/>
+              <a:pathLst>
+                <a:path w="1597025" h="302260">
+                  <a:moveTo>
+                    <a:pt x="0" y="0"/>
+                  </a:moveTo>
+                  <a:lnTo>
+                    <a:pt x="1596899" y="0"/>
+                  </a:lnTo>
+                  <a:lnTo>
+                    <a:pt x="1596899" y="302099"/>
+                  </a:lnTo>
+                  <a:lnTo>
+                    <a:pt x="0" y="302099"/>
+                  </a:lnTo>
+                  <a:lnTo>
+                    <a:pt x="0" y="0"/>
+                  </a:lnTo>
+                  <a:close/>
+                </a:path>
+              </a:pathLst>
+            </a:custGeom>
+            <a:ln w="38099">
+              <a:solidFill>
+                <a:srgbClr val="FF0000"/>
+              </a:solidFill>
+            </a:ln>
+          </p:spPr>
+          <p:txBody>
+            <a:bodyPr wrap="square" lIns="0" tIns="0" rIns="0" bIns="0" rtlCol="0"/>
+            <a:lstStyle/>
+            <a:p>
+              <a:endParaRPr dirty="0"/>
+            </a:p>
+          </p:txBody>
+        </p:sp>
+      </p:grpSp>
     </p:spTree>
   </p:cSld>
   <p:clrMapOvr>

--- a/products/find-va-forms-redesign/contact-center/FindVAFormsSearch-ProductGuide.pptx
+++ b/products/find-va-forms-redesign/contact-center/FindVAFormsSearch-ProductGuide.pptx
@@ -171,7 +171,7 @@
   <pc:docChgLst>
     <pc:chgData name="Marci McGuire" userId="da076b16-69e6-40ca-b632-a9ea416c9c12" providerId="ADAL" clId="{66D2C8EC-293E-4F04-AE6A-CDD078B1D21E}"/>
     <pc:docChg chg="undo custSel addSld modSld sldOrd">
-      <pc:chgData name="Marci McGuire" userId="da076b16-69e6-40ca-b632-a9ea416c9c12" providerId="ADAL" clId="{66D2C8EC-293E-4F04-AE6A-CDD078B1D21E}" dt="2021-01-04T20:00:43.140" v="276"/>
+      <pc:chgData name="Marci McGuire" userId="da076b16-69e6-40ca-b632-a9ea416c9c12" providerId="ADAL" clId="{66D2C8EC-293E-4F04-AE6A-CDD078B1D21E}" dt="2021-01-04T20:54:21.903" v="281" actId="14100"/>
       <pc:docMkLst>
         <pc:docMk/>
       </pc:docMkLst>
@@ -318,11 +318,19 @@
         </pc:picChg>
       </pc:sldChg>
       <pc:sldChg chg="addSp delSp modSp mod">
-        <pc:chgData name="Marci McGuire" userId="da076b16-69e6-40ca-b632-a9ea416c9c12" providerId="ADAL" clId="{66D2C8EC-293E-4F04-AE6A-CDD078B1D21E}" dt="2021-01-04T19:58:32.888" v="217" actId="164"/>
+        <pc:chgData name="Marci McGuire" userId="da076b16-69e6-40ca-b632-a9ea416c9c12" providerId="ADAL" clId="{66D2C8EC-293E-4F04-AE6A-CDD078B1D21E}" dt="2021-01-04T20:54:21.903" v="281" actId="14100"/>
         <pc:sldMkLst>
           <pc:docMk/>
           <pc:sldMk cId="0" sldId="263"/>
         </pc:sldMkLst>
+        <pc:spChg chg="mod">
+          <ac:chgData name="Marci McGuire" userId="da076b16-69e6-40ca-b632-a9ea416c9c12" providerId="ADAL" clId="{66D2C8EC-293E-4F04-AE6A-CDD078B1D21E}" dt="2021-01-04T20:54:21.903" v="281" actId="14100"/>
+          <ac:spMkLst>
+            <pc:docMk/>
+            <pc:sldMk cId="0" sldId="263"/>
+            <ac:spMk id="4" creationId="{00000000-0000-0000-0000-000000000000}"/>
+          </ac:spMkLst>
+        </pc:spChg>
         <pc:spChg chg="mod ord topLvl">
           <ac:chgData name="Marci McGuire" userId="da076b16-69e6-40ca-b632-a9ea416c9c12" providerId="ADAL" clId="{66D2C8EC-293E-4F04-AE6A-CDD078B1D21E}" dt="2021-01-04T19:58:32.888" v="217" actId="164"/>
           <ac:spMkLst>
@@ -9854,8 +9862,8 @@
         </p:nvSpPr>
         <p:spPr>
           <a:xfrm>
-            <a:off x="635000" y="692911"/>
-            <a:ext cx="8411210" cy="566822"/>
+            <a:off x="634999" y="692911"/>
+            <a:ext cx="8977585" cy="566822"/>
           </a:xfrm>
           <a:prstGeom prst="rect">
             <a:avLst/>
@@ -9881,7 +9889,7 @@
                   <a:srgbClr val="0070BB"/>
                 </a:solidFill>
               </a:rPr>
-              <a:t>Sort results by Form Last Updated date</a:t>
+              <a:t>Sort Results by Form Last Updated Date</a:t>
             </a:r>
             <a:endParaRPr spc="-55" dirty="0">
               <a:solidFill>
